--- a/Vọng phục sinh.pptx
+++ b/Vọng phục sinh.pptx
@@ -5,7 +5,7 @@
     <p:sldMasterId id="2147483660" r:id="rId1"/>
   </p:sldMasterIdLst>
   <p:notesMasterIdLst>
-    <p:notesMasterId r:id="rId85"/>
+    <p:notesMasterId r:id="rId87"/>
   </p:notesMasterIdLst>
   <p:sldIdLst>
     <p:sldId id="4112" r:id="rId2"/>
@@ -59,38 +59,40 @@
     <p:sldId id="5270" r:id="rId50"/>
     <p:sldId id="5271" r:id="rId51"/>
     <p:sldId id="5272" r:id="rId52"/>
-    <p:sldId id="4227" r:id="rId53"/>
-    <p:sldId id="5273" r:id="rId54"/>
-    <p:sldId id="5274" r:id="rId55"/>
-    <p:sldId id="5275" r:id="rId56"/>
-    <p:sldId id="5276" r:id="rId57"/>
-    <p:sldId id="5287" r:id="rId58"/>
-    <p:sldId id="5288" r:id="rId59"/>
-    <p:sldId id="5277" r:id="rId60"/>
-    <p:sldId id="5284" r:id="rId61"/>
-    <p:sldId id="5289" r:id="rId62"/>
-    <p:sldId id="5290" r:id="rId63"/>
-    <p:sldId id="5285" r:id="rId64"/>
-    <p:sldId id="5286" r:id="rId65"/>
-    <p:sldId id="5291" r:id="rId66"/>
-    <p:sldId id="5292" r:id="rId67"/>
-    <p:sldId id="5293" r:id="rId68"/>
-    <p:sldId id="5294" r:id="rId69"/>
-    <p:sldId id="5295" r:id="rId70"/>
-    <p:sldId id="5296" r:id="rId71"/>
-    <p:sldId id="5306" r:id="rId72"/>
-    <p:sldId id="5307" r:id="rId73"/>
-    <p:sldId id="5297" r:id="rId74"/>
-    <p:sldId id="5308" r:id="rId75"/>
-    <p:sldId id="5309" r:id="rId76"/>
-    <p:sldId id="5298" r:id="rId77"/>
-    <p:sldId id="5310" r:id="rId78"/>
-    <p:sldId id="5311" r:id="rId79"/>
-    <p:sldId id="5299" r:id="rId80"/>
-    <p:sldId id="5300" r:id="rId81"/>
-    <p:sldId id="5301" r:id="rId82"/>
-    <p:sldId id="5302" r:id="rId83"/>
-    <p:sldId id="5303" r:id="rId84"/>
+    <p:sldId id="5315" r:id="rId53"/>
+    <p:sldId id="5317" r:id="rId54"/>
+    <p:sldId id="5316" r:id="rId55"/>
+    <p:sldId id="5273" r:id="rId56"/>
+    <p:sldId id="5274" r:id="rId57"/>
+    <p:sldId id="5275" r:id="rId58"/>
+    <p:sldId id="5276" r:id="rId59"/>
+    <p:sldId id="5287" r:id="rId60"/>
+    <p:sldId id="5288" r:id="rId61"/>
+    <p:sldId id="5277" r:id="rId62"/>
+    <p:sldId id="5284" r:id="rId63"/>
+    <p:sldId id="5289" r:id="rId64"/>
+    <p:sldId id="5290" r:id="rId65"/>
+    <p:sldId id="5285" r:id="rId66"/>
+    <p:sldId id="5286" r:id="rId67"/>
+    <p:sldId id="5291" r:id="rId68"/>
+    <p:sldId id="5292" r:id="rId69"/>
+    <p:sldId id="5293" r:id="rId70"/>
+    <p:sldId id="5294" r:id="rId71"/>
+    <p:sldId id="5295" r:id="rId72"/>
+    <p:sldId id="5296" r:id="rId73"/>
+    <p:sldId id="5306" r:id="rId74"/>
+    <p:sldId id="5307" r:id="rId75"/>
+    <p:sldId id="5297" r:id="rId76"/>
+    <p:sldId id="5308" r:id="rId77"/>
+    <p:sldId id="5309" r:id="rId78"/>
+    <p:sldId id="5298" r:id="rId79"/>
+    <p:sldId id="5310" r:id="rId80"/>
+    <p:sldId id="5311" r:id="rId81"/>
+    <p:sldId id="5299" r:id="rId82"/>
+    <p:sldId id="5300" r:id="rId83"/>
+    <p:sldId id="5301" r:id="rId84"/>
+    <p:sldId id="5302" r:id="rId85"/>
+    <p:sldId id="5303" r:id="rId86"/>
   </p:sldIdLst>
   <p:sldSz cx="9144000" cy="6858000" type="screen4x3"/>
   <p:notesSz cx="6858000" cy="9144000"/>
@@ -191,7 +193,7 @@
   </p:defaultTextStyle>
   <p:extLst>
     <p:ext uri="{EFAFB233-063F-42B5-8137-9DF3F51BA10A}">
-      <p15:sldGuideLst xmlns:p15="http://schemas.microsoft.com/office/powerpoint/2012/main">
+      <p15:sldGuideLst xmlns:p15="http://schemas.microsoft.com/office/powerpoint/2012/main" xmlns="">
         <p15:guide id="1" orient="horz" pos="2160">
           <p15:clr>
             <a:srgbClr val="A4A3A4"/>
@@ -3626,6 +3628,13 @@
     <a:masterClrMapping/>
   </p:clrMapOvr>
   <p:transition/>
+  <p:timing>
+    <p:tnLst>
+      <p:par>
+        <p:cTn id="1" dur="indefinite" restart="never" nodeType="tmRoot"/>
+      </p:par>
+    </p:tnLst>
+  </p:timing>
 </p:sld>
 </file>
 
@@ -3863,6 +3872,13 @@
     <a:masterClrMapping/>
   </p:clrMapOvr>
   <p:transition/>
+  <p:timing>
+    <p:tnLst>
+      <p:par>
+        <p:cTn id="1" dur="indefinite" restart="never" nodeType="tmRoot"/>
+      </p:par>
+    </p:tnLst>
+  </p:timing>
 </p:sld>
 </file>
 
@@ -4373,7 +4389,7 @@
           <p:cNvPr id="4" name="Title 1">
             <a:extLst>
               <a:ext uri="{FF2B5EF4-FFF2-40B4-BE49-F238E27FC236}">
-                <a16:creationId xmlns:a16="http://schemas.microsoft.com/office/drawing/2014/main" id="{D9C609E8-AF6E-4724-A63B-E3B6EFA0296D}"/>
+                <a16:creationId xmlns:a16="http://schemas.microsoft.com/office/drawing/2014/main" xmlns="" id="{D9C609E8-AF6E-4724-A63B-E3B6EFA0296D}"/>
               </a:ext>
             </a:extLst>
           </p:cNvPr>
@@ -4457,6 +4473,13 @@
     <a:masterClrMapping/>
   </p:clrMapOvr>
   <p:transition/>
+  <p:timing>
+    <p:tnLst>
+      <p:par>
+        <p:cTn id="1" dur="indefinite" restart="never" nodeType="tmRoot"/>
+      </p:par>
+    </p:tnLst>
+  </p:timing>
 </p:sld>
 </file>
 
@@ -4694,6 +4717,13 @@
     <a:masterClrMapping/>
   </p:clrMapOvr>
   <p:transition/>
+  <p:timing>
+    <p:tnLst>
+      <p:par>
+        <p:cTn id="1" dur="indefinite" restart="never" nodeType="tmRoot"/>
+      </p:par>
+    </p:tnLst>
+  </p:timing>
 </p:sld>
 </file>
 
@@ -5218,7 +5248,7 @@
           <p:cNvPr id="4" name="Title 1">
             <a:extLst>
               <a:ext uri="{FF2B5EF4-FFF2-40B4-BE49-F238E27FC236}">
-                <a16:creationId xmlns:a16="http://schemas.microsoft.com/office/drawing/2014/main" id="{D9C609E8-AF6E-4724-A63B-E3B6EFA0296D}"/>
+                <a16:creationId xmlns:a16="http://schemas.microsoft.com/office/drawing/2014/main" xmlns="" id="{D9C609E8-AF6E-4724-A63B-E3B6EFA0296D}"/>
               </a:ext>
             </a:extLst>
           </p:cNvPr>
@@ -5302,6 +5332,13 @@
     <a:masterClrMapping/>
   </p:clrMapOvr>
   <p:transition/>
+  <p:timing>
+    <p:tnLst>
+      <p:par>
+        <p:cTn id="1" dur="indefinite" restart="never" nodeType="tmRoot"/>
+      </p:par>
+    </p:tnLst>
+  </p:timing>
 </p:sld>
 </file>
 
@@ -5539,6 +5576,13 @@
     <a:masterClrMapping/>
   </p:clrMapOvr>
   <p:transition/>
+  <p:timing>
+    <p:tnLst>
+      <p:par>
+        <p:cTn id="1" dur="indefinite" restart="never" nodeType="tmRoot"/>
+      </p:par>
+    </p:tnLst>
+  </p:timing>
 </p:sld>
 </file>
 
@@ -6035,7 +6079,7 @@
           <p:cNvPr id="4" name="Title 1">
             <a:extLst>
               <a:ext uri="{FF2B5EF4-FFF2-40B4-BE49-F238E27FC236}">
-                <a16:creationId xmlns:a16="http://schemas.microsoft.com/office/drawing/2014/main" id="{D9C609E8-AF6E-4724-A63B-E3B6EFA0296D}"/>
+                <a16:creationId xmlns:a16="http://schemas.microsoft.com/office/drawing/2014/main" xmlns="" id="{D9C609E8-AF6E-4724-A63B-E3B6EFA0296D}"/>
               </a:ext>
             </a:extLst>
           </p:cNvPr>
@@ -6119,6 +6163,13 @@
     <a:masterClrMapping/>
   </p:clrMapOvr>
   <p:transition/>
+  <p:timing>
+    <p:tnLst>
+      <p:par>
+        <p:cTn id="1" dur="indefinite" restart="never" nodeType="tmRoot"/>
+      </p:par>
+    </p:tnLst>
+  </p:timing>
 </p:sld>
 </file>
 
@@ -6356,6 +6407,13 @@
     <a:masterClrMapping/>
   </p:clrMapOvr>
   <p:transition/>
+  <p:timing>
+    <p:tnLst>
+      <p:par>
+        <p:cTn id="1" dur="indefinite" restart="never" nodeType="tmRoot"/>
+      </p:par>
+    </p:tnLst>
+  </p:timing>
 </p:sld>
 </file>
 
@@ -6381,7 +6439,7 @@
           <p:cNvPr id="2" name="Title 1">
             <a:extLst>
               <a:ext uri="{FF2B5EF4-FFF2-40B4-BE49-F238E27FC236}">
-                <a16:creationId xmlns:a16="http://schemas.microsoft.com/office/drawing/2014/main" id="{0EBFEA30-0A04-40D9-8F3D-5721A56C7348}"/>
+                <a16:creationId xmlns:a16="http://schemas.microsoft.com/office/drawing/2014/main" xmlns="" id="{0EBFEA30-0A04-40D9-8F3D-5721A56C7348}"/>
               </a:ext>
             </a:extLst>
           </p:cNvPr>
@@ -6406,7 +6464,7 @@
           <p:cNvPr id="3" name="Content Placeholder 2">
             <a:extLst>
               <a:ext uri="{FF2B5EF4-FFF2-40B4-BE49-F238E27FC236}">
-                <a16:creationId xmlns:a16="http://schemas.microsoft.com/office/drawing/2014/main" id="{05848160-66C2-4383-B320-0C676268641A}"/>
+                <a16:creationId xmlns:a16="http://schemas.microsoft.com/office/drawing/2014/main" xmlns="" id="{05848160-66C2-4383-B320-0C676268641A}"/>
               </a:ext>
             </a:extLst>
           </p:cNvPr>
@@ -6436,6 +6494,13 @@
   <p:clrMapOvr>
     <a:masterClrMapping/>
   </p:clrMapOvr>
+  <p:timing>
+    <p:tnLst>
+      <p:par>
+        <p:cTn id="1" dur="indefinite" restart="never" nodeType="tmRoot"/>
+      </p:par>
+    </p:tnLst>
+  </p:timing>
 </p:sld>
 </file>
 
@@ -6848,6 +6913,13 @@
     <a:masterClrMapping/>
   </p:clrMapOvr>
   <p:transition/>
+  <p:timing>
+    <p:tnLst>
+      <p:par>
+        <p:cTn id="1" dur="indefinite" restart="never" nodeType="tmRoot"/>
+      </p:par>
+    </p:tnLst>
+  </p:timing>
 </p:sld>
 </file>
 
@@ -7120,7 +7192,7 @@
           <p:cNvPr id="4" name="Title 1">
             <a:extLst>
               <a:ext uri="{FF2B5EF4-FFF2-40B4-BE49-F238E27FC236}">
-                <a16:creationId xmlns:a16="http://schemas.microsoft.com/office/drawing/2014/main" id="{D9C609E8-AF6E-4724-A63B-E3B6EFA0296D}"/>
+                <a16:creationId xmlns:a16="http://schemas.microsoft.com/office/drawing/2014/main" xmlns="" id="{D9C609E8-AF6E-4724-A63B-E3B6EFA0296D}"/>
               </a:ext>
             </a:extLst>
           </p:cNvPr>
@@ -7204,6 +7276,13 @@
     <a:masterClrMapping/>
   </p:clrMapOvr>
   <p:transition/>
+  <p:timing>
+    <p:tnLst>
+      <p:par>
+        <p:cTn id="1" dur="indefinite" restart="never" nodeType="tmRoot"/>
+      </p:par>
+    </p:tnLst>
+  </p:timing>
 </p:sld>
 </file>
 
@@ -7322,6 +7401,13 @@
     <a:masterClrMapping/>
   </p:clrMapOvr>
   <p:transition/>
+  <p:timing>
+    <p:tnLst>
+      <p:par>
+        <p:cTn id="1" dur="indefinite" restart="never" nodeType="tmRoot"/>
+      </p:par>
+    </p:tnLst>
+  </p:timing>
 </p:sld>
 </file>
 
@@ -7734,6 +7820,13 @@
     <a:masterClrMapping/>
   </p:clrMapOvr>
   <p:transition/>
+  <p:timing>
+    <p:tnLst>
+      <p:par>
+        <p:cTn id="1" dur="indefinite" restart="never" nodeType="tmRoot"/>
+      </p:par>
+    </p:tnLst>
+  </p:timing>
 </p:sld>
 </file>
 
@@ -8034,7 +8127,7 @@
           <p:cNvPr id="4" name="Title 1">
             <a:extLst>
               <a:ext uri="{FF2B5EF4-FFF2-40B4-BE49-F238E27FC236}">
-                <a16:creationId xmlns:a16="http://schemas.microsoft.com/office/drawing/2014/main" id="{D9C609E8-AF6E-4724-A63B-E3B6EFA0296D}"/>
+                <a16:creationId xmlns:a16="http://schemas.microsoft.com/office/drawing/2014/main" xmlns="" id="{D9C609E8-AF6E-4724-A63B-E3B6EFA0296D}"/>
               </a:ext>
             </a:extLst>
           </p:cNvPr>
@@ -8118,6 +8211,13 @@
     <a:masterClrMapping/>
   </p:clrMapOvr>
   <p:transition/>
+  <p:timing>
+    <p:tnLst>
+      <p:par>
+        <p:cTn id="1" dur="indefinite" restart="never" nodeType="tmRoot"/>
+      </p:par>
+    </p:tnLst>
+  </p:timing>
 </p:sld>
 </file>
 
@@ -8530,6 +8630,13 @@
     <a:masterClrMapping/>
   </p:clrMapOvr>
   <p:transition/>
+  <p:timing>
+    <p:tnLst>
+      <p:par>
+        <p:cTn id="1" dur="indefinite" restart="never" nodeType="tmRoot"/>
+      </p:par>
+    </p:tnLst>
+  </p:timing>
 </p:sld>
 </file>
 
@@ -8760,7 +8867,7 @@
           <p:cNvPr id="4" name="Title 1">
             <a:extLst>
               <a:ext uri="{FF2B5EF4-FFF2-40B4-BE49-F238E27FC236}">
-                <a16:creationId xmlns:a16="http://schemas.microsoft.com/office/drawing/2014/main" id="{D9C609E8-AF6E-4724-A63B-E3B6EFA0296D}"/>
+                <a16:creationId xmlns:a16="http://schemas.microsoft.com/office/drawing/2014/main" xmlns="" id="{D9C609E8-AF6E-4724-A63B-E3B6EFA0296D}"/>
               </a:ext>
             </a:extLst>
           </p:cNvPr>
@@ -8844,6 +8951,13 @@
     <a:masterClrMapping/>
   </p:clrMapOvr>
   <p:transition/>
+  <p:timing>
+    <p:tnLst>
+      <p:par>
+        <p:cTn id="1" dur="indefinite" restart="never" nodeType="tmRoot"/>
+      </p:par>
+    </p:tnLst>
+  </p:timing>
 </p:sld>
 </file>
 
@@ -9256,6 +9370,13 @@
     <a:masterClrMapping/>
   </p:clrMapOvr>
   <p:transition/>
+  <p:timing>
+    <p:tnLst>
+      <p:par>
+        <p:cTn id="1" dur="indefinite" restart="never" nodeType="tmRoot"/>
+      </p:par>
+    </p:tnLst>
+  </p:timing>
 </p:sld>
 </file>
 
@@ -9281,7 +9402,7 @@
           <p:cNvPr id="2" name="Title 1">
             <a:extLst>
               <a:ext uri="{FF2B5EF4-FFF2-40B4-BE49-F238E27FC236}">
-                <a16:creationId xmlns:a16="http://schemas.microsoft.com/office/drawing/2014/main" id="{9D627F92-9A45-4A02-A963-15DF1F6E819F}"/>
+                <a16:creationId xmlns:a16="http://schemas.microsoft.com/office/drawing/2014/main" xmlns="" id="{9D627F92-9A45-4A02-A963-15DF1F6E819F}"/>
               </a:ext>
             </a:extLst>
           </p:cNvPr>
@@ -9306,7 +9427,7 @@
           <p:cNvPr id="3" name="Content Placeholder 2">
             <a:extLst>
               <a:ext uri="{FF2B5EF4-FFF2-40B4-BE49-F238E27FC236}">
-                <a16:creationId xmlns:a16="http://schemas.microsoft.com/office/drawing/2014/main" id="{0DD554AB-2381-4267-8DFD-57C63A6A902A}"/>
+                <a16:creationId xmlns:a16="http://schemas.microsoft.com/office/drawing/2014/main" xmlns="" id="{0DD554AB-2381-4267-8DFD-57C63A6A902A}"/>
               </a:ext>
             </a:extLst>
           </p:cNvPr>
@@ -9336,6 +9457,13 @@
   <p:clrMapOvr>
     <a:masterClrMapping/>
   </p:clrMapOvr>
+  <p:timing>
+    <p:tnLst>
+      <p:par>
+        <p:cTn id="1" dur="indefinite" restart="never" nodeType="tmRoot"/>
+      </p:par>
+    </p:tnLst>
+  </p:timing>
 </p:sld>
 </file>
 
@@ -9685,6 +9813,13 @@
     <a:masterClrMapping/>
   </p:clrMapOvr>
   <p:transition/>
+  <p:timing>
+    <p:tnLst>
+      <p:par>
+        <p:cTn id="1" dur="indefinite" restart="never" nodeType="tmRoot"/>
+      </p:par>
+    </p:tnLst>
+  </p:timing>
 </p:sld>
 </file>
 
@@ -10083,7 +10218,7 @@
           <p:cNvPr id="4" name="Title 1">
             <a:extLst>
               <a:ext uri="{FF2B5EF4-FFF2-40B4-BE49-F238E27FC236}">
-                <a16:creationId xmlns:a16="http://schemas.microsoft.com/office/drawing/2014/main" id="{D9C609E8-AF6E-4724-A63B-E3B6EFA0296D}"/>
+                <a16:creationId xmlns:a16="http://schemas.microsoft.com/office/drawing/2014/main" xmlns="" id="{D9C609E8-AF6E-4724-A63B-E3B6EFA0296D}"/>
               </a:ext>
             </a:extLst>
           </p:cNvPr>
@@ -10167,6 +10302,13 @@
     <a:masterClrMapping/>
   </p:clrMapOvr>
   <p:transition/>
+  <p:timing>
+    <p:tnLst>
+      <p:par>
+        <p:cTn id="1" dur="indefinite" restart="never" nodeType="tmRoot"/>
+      </p:par>
+    </p:tnLst>
+  </p:timing>
 </p:sld>
 </file>
 
@@ -10516,6 +10658,13 @@
     <a:masterClrMapping/>
   </p:clrMapOvr>
   <p:transition/>
+  <p:timing>
+    <p:tnLst>
+      <p:par>
+        <p:cTn id="1" dur="indefinite" restart="never" nodeType="tmRoot"/>
+      </p:par>
+    </p:tnLst>
+  </p:timing>
 </p:sld>
 </file>
 
@@ -10928,7 +11077,7 @@
           <p:cNvPr id="4" name="Title 1">
             <a:extLst>
               <a:ext uri="{FF2B5EF4-FFF2-40B4-BE49-F238E27FC236}">
-                <a16:creationId xmlns:a16="http://schemas.microsoft.com/office/drawing/2014/main" id="{D9C609E8-AF6E-4724-A63B-E3B6EFA0296D}"/>
+                <a16:creationId xmlns:a16="http://schemas.microsoft.com/office/drawing/2014/main" xmlns="" id="{D9C609E8-AF6E-4724-A63B-E3B6EFA0296D}"/>
               </a:ext>
             </a:extLst>
           </p:cNvPr>
@@ -11012,6 +11161,13 @@
     <a:masterClrMapping/>
   </p:clrMapOvr>
   <p:transition/>
+  <p:timing>
+    <p:tnLst>
+      <p:par>
+        <p:cTn id="1" dur="indefinite" restart="never" nodeType="tmRoot"/>
+      </p:par>
+    </p:tnLst>
+  </p:timing>
 </p:sld>
 </file>
 
@@ -11130,6 +11286,13 @@
     <a:masterClrMapping/>
   </p:clrMapOvr>
   <p:transition/>
+  <p:timing>
+    <p:tnLst>
+      <p:par>
+        <p:cTn id="1" dur="indefinite" restart="never" nodeType="tmRoot"/>
+      </p:par>
+    </p:tnLst>
+  </p:timing>
 </p:sld>
 </file>
 
@@ -11479,6 +11642,13 @@
     <a:masterClrMapping/>
   </p:clrMapOvr>
   <p:transition/>
+  <p:timing>
+    <p:tnLst>
+      <p:par>
+        <p:cTn id="1" dur="indefinite" restart="never" nodeType="tmRoot"/>
+      </p:par>
+    </p:tnLst>
+  </p:timing>
 </p:sld>
 </file>
 
@@ -11905,7 +12075,7 @@
           <p:cNvPr id="4" name="Title 1">
             <a:extLst>
               <a:ext uri="{FF2B5EF4-FFF2-40B4-BE49-F238E27FC236}">
-                <a16:creationId xmlns:a16="http://schemas.microsoft.com/office/drawing/2014/main" id="{D9C609E8-AF6E-4724-A63B-E3B6EFA0296D}"/>
+                <a16:creationId xmlns:a16="http://schemas.microsoft.com/office/drawing/2014/main" xmlns="" id="{D9C609E8-AF6E-4724-A63B-E3B6EFA0296D}"/>
               </a:ext>
             </a:extLst>
           </p:cNvPr>
@@ -11989,6 +12159,13 @@
     <a:masterClrMapping/>
   </p:clrMapOvr>
   <p:transition/>
+  <p:timing>
+    <p:tnLst>
+      <p:par>
+        <p:cTn id="1" dur="indefinite" restart="never" nodeType="tmRoot"/>
+      </p:par>
+    </p:tnLst>
+  </p:timing>
 </p:sld>
 </file>
 
@@ -12338,6 +12515,13 @@
     <a:masterClrMapping/>
   </p:clrMapOvr>
   <p:transition/>
+  <p:timing>
+    <p:tnLst>
+      <p:par>
+        <p:cTn id="1" dur="indefinite" restart="never" nodeType="tmRoot"/>
+      </p:par>
+    </p:tnLst>
+  </p:timing>
 </p:sld>
 </file>
 
@@ -12750,7 +12934,7 @@
           <p:cNvPr id="4" name="Title 1">
             <a:extLst>
               <a:ext uri="{FF2B5EF4-FFF2-40B4-BE49-F238E27FC236}">
-                <a16:creationId xmlns:a16="http://schemas.microsoft.com/office/drawing/2014/main" id="{D9C609E8-AF6E-4724-A63B-E3B6EFA0296D}"/>
+                <a16:creationId xmlns:a16="http://schemas.microsoft.com/office/drawing/2014/main" xmlns="" id="{D9C609E8-AF6E-4724-A63B-E3B6EFA0296D}"/>
               </a:ext>
             </a:extLst>
           </p:cNvPr>
@@ -12834,6 +13018,13 @@
     <a:masterClrMapping/>
   </p:clrMapOvr>
   <p:transition/>
+  <p:timing>
+    <p:tnLst>
+      <p:par>
+        <p:cTn id="1" dur="indefinite" restart="never" nodeType="tmRoot"/>
+      </p:par>
+    </p:tnLst>
+  </p:timing>
 </p:sld>
 </file>
 
@@ -13183,6 +13374,13 @@
     <a:masterClrMapping/>
   </p:clrMapOvr>
   <p:transition/>
+  <p:timing>
+    <p:tnLst>
+      <p:par>
+        <p:cTn id="1" dur="indefinite" restart="never" nodeType="tmRoot"/>
+      </p:par>
+    </p:tnLst>
+  </p:timing>
 </p:sld>
 </file>
 
@@ -13208,7 +13406,7 @@
           <p:cNvPr id="2" name="Title 1">
             <a:extLst>
               <a:ext uri="{FF2B5EF4-FFF2-40B4-BE49-F238E27FC236}">
-                <a16:creationId xmlns:a16="http://schemas.microsoft.com/office/drawing/2014/main" id="{9DCE6F31-821B-424D-8452-B9B68985B9F7}"/>
+                <a16:creationId xmlns:a16="http://schemas.microsoft.com/office/drawing/2014/main" xmlns="" id="{9DCE6F31-821B-424D-8452-B9B68985B9F7}"/>
               </a:ext>
             </a:extLst>
           </p:cNvPr>
@@ -13233,7 +13431,7 @@
           <p:cNvPr id="3" name="Content Placeholder 2">
             <a:extLst>
               <a:ext uri="{FF2B5EF4-FFF2-40B4-BE49-F238E27FC236}">
-                <a16:creationId xmlns:a16="http://schemas.microsoft.com/office/drawing/2014/main" id="{DB25F5CE-68F5-4B25-9995-88B18FB44365}"/>
+                <a16:creationId xmlns:a16="http://schemas.microsoft.com/office/drawing/2014/main" xmlns="" id="{DB25F5CE-68F5-4B25-9995-88B18FB44365}"/>
               </a:ext>
             </a:extLst>
           </p:cNvPr>
@@ -13263,6 +13461,13 @@
   <p:clrMapOvr>
     <a:masterClrMapping/>
   </p:clrMapOvr>
+  <p:timing>
+    <p:tnLst>
+      <p:par>
+        <p:cTn id="1" dur="indefinite" restart="never" nodeType="tmRoot"/>
+      </p:par>
+    </p:tnLst>
+  </p:timing>
 </p:sld>
 </file>
 
@@ -13703,7 +13908,7 @@
           <p:cNvPr id="4" name="Title 1">
             <a:extLst>
               <a:ext uri="{FF2B5EF4-FFF2-40B4-BE49-F238E27FC236}">
-                <a16:creationId xmlns:a16="http://schemas.microsoft.com/office/drawing/2014/main" id="{D9C609E8-AF6E-4724-A63B-E3B6EFA0296D}"/>
+                <a16:creationId xmlns:a16="http://schemas.microsoft.com/office/drawing/2014/main" xmlns="" id="{D9C609E8-AF6E-4724-A63B-E3B6EFA0296D}"/>
               </a:ext>
             </a:extLst>
           </p:cNvPr>
@@ -13787,6 +13992,13 @@
     <a:masterClrMapping/>
   </p:clrMapOvr>
   <p:transition/>
+  <p:timing>
+    <p:tnLst>
+      <p:par>
+        <p:cTn id="1" dur="indefinite" restart="never" nodeType="tmRoot"/>
+      </p:par>
+    </p:tnLst>
+  </p:timing>
 </p:sld>
 </file>
 
@@ -13891,6 +14103,13 @@
     <a:masterClrMapping/>
   </p:clrMapOvr>
   <p:transition/>
+  <p:timing>
+    <p:tnLst>
+      <p:par>
+        <p:cTn id="1" dur="indefinite" restart="never" nodeType="tmRoot"/>
+      </p:par>
+    </p:tnLst>
+  </p:timing>
 </p:sld>
 </file>
 
@@ -14331,7 +14550,7 @@
           <p:cNvPr id="4" name="Title 1">
             <a:extLst>
               <a:ext uri="{FF2B5EF4-FFF2-40B4-BE49-F238E27FC236}">
-                <a16:creationId xmlns:a16="http://schemas.microsoft.com/office/drawing/2014/main" id="{D9C609E8-AF6E-4724-A63B-E3B6EFA0296D}"/>
+                <a16:creationId xmlns:a16="http://schemas.microsoft.com/office/drawing/2014/main" xmlns="" id="{D9C609E8-AF6E-4724-A63B-E3B6EFA0296D}"/>
               </a:ext>
             </a:extLst>
           </p:cNvPr>
@@ -14415,6 +14634,13 @@
     <a:masterClrMapping/>
   </p:clrMapOvr>
   <p:transition/>
+  <p:timing>
+    <p:tnLst>
+      <p:par>
+        <p:cTn id="1" dur="indefinite" restart="never" nodeType="tmRoot"/>
+      </p:par>
+    </p:tnLst>
+  </p:timing>
 </p:sld>
 </file>
 
@@ -14519,6 +14745,13 @@
     <a:masterClrMapping/>
   </p:clrMapOvr>
   <p:transition/>
+  <p:timing>
+    <p:tnLst>
+      <p:par>
+        <p:cTn id="1" dur="indefinite" restart="never" nodeType="tmRoot"/>
+      </p:par>
+    </p:tnLst>
+  </p:timing>
 </p:sld>
 </file>
 
@@ -14637,6 +14870,13 @@
     <a:masterClrMapping/>
   </p:clrMapOvr>
   <p:transition/>
+  <p:timing>
+    <p:tnLst>
+      <p:par>
+        <p:cTn id="1" dur="indefinite" restart="never" nodeType="tmRoot"/>
+      </p:par>
+    </p:tnLst>
+  </p:timing>
 </p:sld>
 </file>
 
@@ -15105,7 +15345,7 @@
           <p:cNvPr id="4" name="Title 1">
             <a:extLst>
               <a:ext uri="{FF2B5EF4-FFF2-40B4-BE49-F238E27FC236}">
-                <a16:creationId xmlns:a16="http://schemas.microsoft.com/office/drawing/2014/main" id="{D9C609E8-AF6E-4724-A63B-E3B6EFA0296D}"/>
+                <a16:creationId xmlns:a16="http://schemas.microsoft.com/office/drawing/2014/main" xmlns="" id="{D9C609E8-AF6E-4724-A63B-E3B6EFA0296D}"/>
               </a:ext>
             </a:extLst>
           </p:cNvPr>
@@ -15189,6 +15429,13 @@
     <a:masterClrMapping/>
   </p:clrMapOvr>
   <p:transition/>
+  <p:timing>
+    <p:tnLst>
+      <p:par>
+        <p:cTn id="1" dur="indefinite" restart="never" nodeType="tmRoot"/>
+      </p:par>
+    </p:tnLst>
+  </p:timing>
 </p:sld>
 </file>
 
@@ -15293,6 +15540,13 @@
     <a:masterClrMapping/>
   </p:clrMapOvr>
   <p:transition/>
+  <p:timing>
+    <p:tnLst>
+      <p:par>
+        <p:cTn id="1" dur="indefinite" restart="never" nodeType="tmRoot"/>
+      </p:par>
+    </p:tnLst>
+  </p:timing>
 </p:sld>
 </file>
 
@@ -15318,7 +15572,7 @@
           <p:cNvPr id="2" name="Title 1">
             <a:extLst>
               <a:ext uri="{FF2B5EF4-FFF2-40B4-BE49-F238E27FC236}">
-                <a16:creationId xmlns:a16="http://schemas.microsoft.com/office/drawing/2014/main" id="{6CA5B917-2047-4594-BD4E-D372FA0022FA}"/>
+                <a16:creationId xmlns:a16="http://schemas.microsoft.com/office/drawing/2014/main" xmlns="" id="{6CA5B917-2047-4594-BD4E-D372FA0022FA}"/>
               </a:ext>
             </a:extLst>
           </p:cNvPr>
@@ -15343,7 +15597,7 @@
           <p:cNvPr id="3" name="Content Placeholder 2">
             <a:extLst>
               <a:ext uri="{FF2B5EF4-FFF2-40B4-BE49-F238E27FC236}">
-                <a16:creationId xmlns:a16="http://schemas.microsoft.com/office/drawing/2014/main" id="{A6E959AC-7646-432A-949C-7679B3A2DADB}"/>
+                <a16:creationId xmlns:a16="http://schemas.microsoft.com/office/drawing/2014/main" xmlns="" id="{A6E959AC-7646-432A-949C-7679B3A2DADB}"/>
               </a:ext>
             </a:extLst>
           </p:cNvPr>
@@ -15373,6 +15627,13 @@
   <p:clrMapOvr>
     <a:masterClrMapping/>
   </p:clrMapOvr>
+  <p:timing>
+    <p:tnLst>
+      <p:par>
+        <p:cTn id="1" dur="indefinite" restart="never" nodeType="tmRoot"/>
+      </p:par>
+    </p:tnLst>
+  </p:timing>
 </p:sld>
 </file>
 
@@ -15863,6 +16124,13 @@
     <a:masterClrMapping/>
   </p:clrMapOvr>
   <p:transition/>
+  <p:timing>
+    <p:tnLst>
+      <p:par>
+        <p:cTn id="1" dur="indefinite" restart="never" nodeType="tmRoot"/>
+      </p:par>
+    </p:tnLst>
+  </p:timing>
 </p:sld>
 </file>
 
@@ -16549,6 +16817,13 @@
     <a:masterClrMapping/>
   </p:clrMapOvr>
   <p:transition/>
+  <p:timing>
+    <p:tnLst>
+      <p:par>
+        <p:cTn id="1" dur="indefinite" restart="never" nodeType="tmRoot"/>
+      </p:par>
+    </p:tnLst>
+  </p:timing>
 </p:sld>
 </file>
 
@@ -16574,7 +16849,7 @@
           <p:cNvPr id="2" name="Title 1">
             <a:extLst>
               <a:ext uri="{FF2B5EF4-FFF2-40B4-BE49-F238E27FC236}">
-                <a16:creationId xmlns:a16="http://schemas.microsoft.com/office/drawing/2014/main" id="{F13783A4-341B-49E9-A0E1-6440AE7B46F1}"/>
+                <a16:creationId xmlns:a16="http://schemas.microsoft.com/office/drawing/2014/main" xmlns="" id="{F13783A4-341B-49E9-A0E1-6440AE7B46F1}"/>
               </a:ext>
             </a:extLst>
           </p:cNvPr>
@@ -16599,7 +16874,7 @@
           <p:cNvPr id="3" name="Content Placeholder 2">
             <a:extLst>
               <a:ext uri="{FF2B5EF4-FFF2-40B4-BE49-F238E27FC236}">
-                <a16:creationId xmlns:a16="http://schemas.microsoft.com/office/drawing/2014/main" id="{0C484327-64CA-4223-B5A4-C7A52F1B2ED5}"/>
+                <a16:creationId xmlns:a16="http://schemas.microsoft.com/office/drawing/2014/main" xmlns="" id="{0C484327-64CA-4223-B5A4-C7A52F1B2ED5}"/>
               </a:ext>
             </a:extLst>
           </p:cNvPr>
@@ -16629,6 +16904,13 @@
   <p:clrMapOvr>
     <a:masterClrMapping/>
   </p:clrMapOvr>
+  <p:timing>
+    <p:tnLst>
+      <p:par>
+        <p:cTn id="1" dur="indefinite" restart="never" nodeType="tmRoot"/>
+      </p:par>
+    </p:tnLst>
+  </p:timing>
 </p:sld>
 </file>
 
@@ -16806,6 +17088,13 @@
     <a:masterClrMapping/>
   </p:clrMapOvr>
   <p:transition/>
+  <p:timing>
+    <p:tnLst>
+      <p:par>
+        <p:cTn id="1" dur="indefinite" restart="never" nodeType="tmRoot"/>
+      </p:par>
+    </p:tnLst>
+  </p:timing>
 </p:sld>
 </file>
 
@@ -16977,19 +17266,43 @@
               <a:rPr lang="vi-VN" sz="5400" b="1" dirty="0">
                 <a:latin typeface="+mj-lt"/>
               </a:rPr>
-              <a:t>Chan hòa niềm vui dâng về Thiên Chúa rạng ngời.</a:t>
-            </a:r>
-            <a:r>
-              <a:rPr lang="en-US" sz="5400" b="1" dirty="0">
+              <a:t>Chan hòa niềm vui dâng về Thiên Chúa rạng ngời</a:t>
+            </a:r>
+            <a:r>
+              <a:rPr lang="vi-VN" sz="5400" b="1">
                 <a:latin typeface="+mj-lt"/>
               </a:rPr>
-              <a:t> </a:t>
+              <a:t>.</a:t>
+            </a:r>
+            <a:r>
+              <a:rPr lang="en-US" sz="5400" b="1">
+                <a:latin typeface="+mj-lt"/>
+              </a:rPr>
+              <a:t> </a:t>
+            </a:r>
+            <a:r>
+              <a:rPr lang="vi-VN" sz="5400" b="1" smtClean="0">
+                <a:latin typeface="+mj-lt"/>
+              </a:rPr>
+              <a:t>Th</a:t>
+            </a:r>
+            <a:r>
+              <a:rPr lang="en-US" sz="5400" b="1" smtClean="0">
+                <a:latin typeface="+mj-lt"/>
+              </a:rPr>
+              <a:t>i</a:t>
+            </a:r>
+            <a:r>
+              <a:rPr lang="vi-VN" sz="5400" b="1" smtClean="0">
+                <a:latin typeface="+mj-lt"/>
+              </a:rPr>
+              <a:t>ên </a:t>
             </a:r>
             <a:r>
               <a:rPr lang="vi-VN" sz="5400" b="1" dirty="0">
                 <a:latin typeface="+mj-lt"/>
               </a:rPr>
-              <a:t>Thên đàng rộng mở</a:t>
+              <a:t>đàng rộng mở</a:t>
             </a:r>
             <a:r>
               <a:rPr lang="en-US" sz="5400" b="1" dirty="0">
@@ -17027,6 +17340,13 @@
     <a:masterClrMapping/>
   </p:clrMapOvr>
   <p:transition/>
+  <p:timing>
+    <p:tnLst>
+      <p:par>
+        <p:cTn id="1" dur="indefinite" restart="never" nodeType="tmRoot"/>
+      </p:par>
+    </p:tnLst>
+  </p:timing>
 </p:sld>
 </file>
 
@@ -17264,6 +17584,13 @@
     <a:masterClrMapping/>
   </p:clrMapOvr>
   <p:transition/>
+  <p:timing>
+    <p:tnLst>
+      <p:par>
+        <p:cTn id="1" dur="indefinite" restart="never" nodeType="tmRoot"/>
+      </p:par>
+    </p:tnLst>
+  </p:timing>
 </p:sld>
 </file>
 
@@ -17441,6 +17768,13 @@
     <a:masterClrMapping/>
   </p:clrMapOvr>
   <p:transition/>
+  <p:timing>
+    <p:tnLst>
+      <p:par>
+        <p:cTn id="1" dur="indefinite" restart="never" nodeType="tmRoot"/>
+      </p:par>
+    </p:tnLst>
+  </p:timing>
 </p:sld>
 </file>
 
@@ -17573,6 +17907,13 @@
     <a:masterClrMapping/>
   </p:clrMapOvr>
   <p:transition/>
+  <p:timing>
+    <p:tnLst>
+      <p:par>
+        <p:cTn id="1" dur="indefinite" restart="never" nodeType="tmRoot"/>
+      </p:par>
+    </p:tnLst>
+  </p:timing>
 </p:sld>
 </file>
 
@@ -17794,6 +18135,13 @@
     <a:masterClrMapping/>
   </p:clrMapOvr>
   <p:transition/>
+  <p:timing>
+    <p:tnLst>
+      <p:par>
+        <p:cTn id="1" dur="indefinite" restart="never" nodeType="tmRoot"/>
+      </p:par>
+    </p:tnLst>
+  </p:timing>
 </p:sld>
 </file>
 
@@ -18031,6 +18379,13 @@
     <a:masterClrMapping/>
   </p:clrMapOvr>
   <p:transition/>
+  <p:timing>
+    <p:tnLst>
+      <p:par>
+        <p:cTn id="1" dur="indefinite" restart="never" nodeType="tmRoot"/>
+      </p:par>
+    </p:tnLst>
+  </p:timing>
 </p:sld>
 </file>
 
@@ -18053,7 +18408,38 @@
       </p:grpSpPr>
       <p:sp>
         <p:nvSpPr>
-          <p:cNvPr id="3" name="Content Placeholder 2"/>
+          <p:cNvPr id="2" name="Title 1">
+            <a:extLst>
+              <a:ext uri="{FF2B5EF4-FFF2-40B4-BE49-F238E27FC236}">
+                <a16:creationId xmlns:a16="http://schemas.microsoft.com/office/drawing/2014/main" xmlns="" id="{029A7527-3F96-49F8-B942-92DD058CBA30}"/>
+              </a:ext>
+            </a:extLst>
+          </p:cNvPr>
+          <p:cNvSpPr>
+            <a:spLocks noGrp="1"/>
+          </p:cNvSpPr>
+          <p:nvPr>
+            <p:ph type="title"/>
+          </p:nvPr>
+        </p:nvSpPr>
+        <p:spPr/>
+        <p:txBody>
+          <a:bodyPr/>
+          <a:lstStyle/>
+          <a:p>
+            <a:endParaRPr lang="en-US"/>
+          </a:p>
+        </p:txBody>
+      </p:sp>
+      <p:sp>
+        <p:nvSpPr>
+          <p:cNvPr id="3" name="Content Placeholder 2">
+            <a:extLst>
+              <a:ext uri="{FF2B5EF4-FFF2-40B4-BE49-F238E27FC236}">
+                <a16:creationId xmlns:a16="http://schemas.microsoft.com/office/drawing/2014/main" xmlns="" id="{05160650-4ED1-4D77-A707-5E08D0DC7ED5}"/>
+              </a:ext>
+            </a:extLst>
+          </p:cNvPr>
           <p:cNvSpPr>
             <a:spLocks noGrp="1"/>
           </p:cNvSpPr>
@@ -18061,456 +18447,32 @@
             <p:ph idx="1"/>
           </p:nvPr>
         </p:nvSpPr>
-        <p:spPr>
-          <a:xfrm>
-            <a:off x="0" y="645574"/>
-            <a:ext cx="9144000" cy="7302397"/>
-          </a:xfrm>
-        </p:spPr>
+        <p:spPr/>
         <p:txBody>
-          <a:bodyPr>
-            <a:normAutofit/>
-          </a:bodyPr>
+          <a:bodyPr/>
           <a:lstStyle/>
           <a:p>
-            <a:pPr marL="0" indent="0" algn="just">
-              <a:buNone/>
-            </a:pPr>
-            <a:r>
-              <a:rPr lang="en-US" sz="5400" b="1" dirty="0">
-                <a:solidFill>
-                  <a:srgbClr val="FF0000"/>
-                </a:solidFill>
-                <a:latin typeface="Times New Roman" panose="02020603050405020304" pitchFamily="18" charset="0"/>
-                <a:cs typeface="Times New Roman" panose="02020603050405020304" pitchFamily="18" charset="0"/>
-              </a:rPr>
-              <a:t>CA HIỆP LỄ</a:t>
-            </a:r>
-          </a:p>
-          <a:p>
-            <a:pPr marL="0" indent="0" algn="just">
-              <a:buNone/>
-            </a:pPr>
-            <a:r>
-              <a:rPr lang="en-US" sz="5400" b="1" dirty="0" err="1">
-                <a:latin typeface="Times New Roman" panose="02020603050405020304" pitchFamily="18" charset="0"/>
-                <a:cs typeface="Times New Roman" panose="02020603050405020304" pitchFamily="18" charset="0"/>
-              </a:rPr>
-              <a:t>Lạy</a:t>
-            </a:r>
-            <a:r>
-              <a:rPr lang="en-US" sz="5400" b="1" dirty="0">
-                <a:latin typeface="Times New Roman" panose="02020603050405020304" pitchFamily="18" charset="0"/>
-                <a:cs typeface="Times New Roman" panose="02020603050405020304" pitchFamily="18" charset="0"/>
-              </a:rPr>
-              <a:t> </a:t>
-            </a:r>
-            <a:r>
-              <a:rPr lang="en-US" sz="5400" b="1" dirty="0" err="1">
-                <a:latin typeface="Times New Roman" panose="02020603050405020304" pitchFamily="18" charset="0"/>
-                <a:cs typeface="Times New Roman" panose="02020603050405020304" pitchFamily="18" charset="0"/>
-              </a:rPr>
-              <a:t>Chúa</a:t>
-            </a:r>
-            <a:r>
-              <a:rPr lang="en-US" sz="5400" b="1" dirty="0">
-                <a:latin typeface="Times New Roman" panose="02020603050405020304" pitchFamily="18" charset="0"/>
-                <a:cs typeface="Times New Roman" panose="02020603050405020304" pitchFamily="18" charset="0"/>
-              </a:rPr>
-              <a:t>, </a:t>
-            </a:r>
-            <a:r>
-              <a:rPr lang="en-US" sz="5400" b="1" dirty="0" err="1">
-                <a:latin typeface="Times New Roman" panose="02020603050405020304" pitchFamily="18" charset="0"/>
-                <a:cs typeface="Times New Roman" panose="02020603050405020304" pitchFamily="18" charset="0"/>
-              </a:rPr>
-              <a:t>xin</a:t>
-            </a:r>
-            <a:r>
-              <a:rPr lang="en-US" sz="5400" b="1" dirty="0">
-                <a:latin typeface="Times New Roman" panose="02020603050405020304" pitchFamily="18" charset="0"/>
-                <a:cs typeface="Times New Roman" panose="02020603050405020304" pitchFamily="18" charset="0"/>
-              </a:rPr>
-              <a:t> </a:t>
-            </a:r>
-            <a:r>
-              <a:rPr lang="en-US" sz="5400" b="1" dirty="0" err="1">
-                <a:latin typeface="Times New Roman" panose="02020603050405020304" pitchFamily="18" charset="0"/>
-                <a:cs typeface="Times New Roman" panose="02020603050405020304" pitchFamily="18" charset="0"/>
-              </a:rPr>
-              <a:t>cho</a:t>
-            </a:r>
-            <a:r>
-              <a:rPr lang="en-US" sz="5400" b="1" dirty="0">
-                <a:latin typeface="Times New Roman" panose="02020603050405020304" pitchFamily="18" charset="0"/>
-                <a:cs typeface="Times New Roman" panose="02020603050405020304" pitchFamily="18" charset="0"/>
-              </a:rPr>
-              <a:t> </a:t>
-            </a:r>
-            <a:r>
-              <a:rPr lang="en-US" sz="5400" b="1" dirty="0" err="1">
-                <a:latin typeface="Times New Roman" panose="02020603050405020304" pitchFamily="18" charset="0"/>
-                <a:cs typeface="Times New Roman" panose="02020603050405020304" pitchFamily="18" charset="0"/>
-              </a:rPr>
-              <a:t>ánh</a:t>
-            </a:r>
-            <a:r>
-              <a:rPr lang="en-US" sz="5400" b="1" dirty="0">
-                <a:latin typeface="Times New Roman" panose="02020603050405020304" pitchFamily="18" charset="0"/>
-                <a:cs typeface="Times New Roman" panose="02020603050405020304" pitchFamily="18" charset="0"/>
-              </a:rPr>
-              <a:t> </a:t>
-            </a:r>
-            <a:r>
-              <a:rPr lang="en-US" sz="5400" b="1" dirty="0" err="1">
-                <a:latin typeface="Times New Roman" panose="02020603050405020304" pitchFamily="18" charset="0"/>
-                <a:cs typeface="Times New Roman" panose="02020603050405020304" pitchFamily="18" charset="0"/>
-              </a:rPr>
-              <a:t>sáng</a:t>
-            </a:r>
-            <a:r>
-              <a:rPr lang="en-US" sz="5400" b="1" dirty="0">
-                <a:latin typeface="Times New Roman" panose="02020603050405020304" pitchFamily="18" charset="0"/>
-                <a:cs typeface="Times New Roman" panose="02020603050405020304" pitchFamily="18" charset="0"/>
-              </a:rPr>
-              <a:t> </a:t>
-            </a:r>
-            <a:r>
-              <a:rPr lang="en-US" sz="5400" b="1" dirty="0" err="1">
-                <a:latin typeface="Times New Roman" panose="02020603050405020304" pitchFamily="18" charset="0"/>
-                <a:cs typeface="Times New Roman" panose="02020603050405020304" pitchFamily="18" charset="0"/>
-              </a:rPr>
-              <a:t>vĩnh</a:t>
-            </a:r>
-            <a:r>
-              <a:rPr lang="en-US" sz="5400" b="1" dirty="0">
-                <a:latin typeface="Times New Roman" panose="02020603050405020304" pitchFamily="18" charset="0"/>
-                <a:cs typeface="Times New Roman" panose="02020603050405020304" pitchFamily="18" charset="0"/>
-              </a:rPr>
-              <a:t> </a:t>
-            </a:r>
-            <a:r>
-              <a:rPr lang="en-US" sz="5400" b="1" dirty="0" err="1">
-                <a:latin typeface="Times New Roman" panose="02020603050405020304" pitchFamily="18" charset="0"/>
-                <a:cs typeface="Times New Roman" panose="02020603050405020304" pitchFamily="18" charset="0"/>
-              </a:rPr>
-              <a:t>cửu</a:t>
-            </a:r>
-            <a:r>
-              <a:rPr lang="en-US" sz="5400" b="1" dirty="0">
-                <a:latin typeface="Times New Roman" panose="02020603050405020304" pitchFamily="18" charset="0"/>
-                <a:cs typeface="Times New Roman" panose="02020603050405020304" pitchFamily="18" charset="0"/>
-              </a:rPr>
-              <a:t> </a:t>
-            </a:r>
-            <a:r>
-              <a:rPr lang="en-US" sz="5400" b="1" dirty="0" err="1">
-                <a:latin typeface="Times New Roman" panose="02020603050405020304" pitchFamily="18" charset="0"/>
-                <a:cs typeface="Times New Roman" panose="02020603050405020304" pitchFamily="18" charset="0"/>
-              </a:rPr>
-              <a:t>chiếu</a:t>
-            </a:r>
-            <a:r>
-              <a:rPr lang="en-US" sz="5400" b="1" dirty="0">
-                <a:latin typeface="Times New Roman" panose="02020603050405020304" pitchFamily="18" charset="0"/>
-                <a:cs typeface="Times New Roman" panose="02020603050405020304" pitchFamily="18" charset="0"/>
-              </a:rPr>
-              <a:t> </a:t>
-            </a:r>
-            <a:r>
-              <a:rPr lang="en-US" sz="5400" b="1" dirty="0" err="1">
-                <a:latin typeface="Times New Roman" panose="02020603050405020304" pitchFamily="18" charset="0"/>
-                <a:cs typeface="Times New Roman" panose="02020603050405020304" pitchFamily="18" charset="0"/>
-              </a:rPr>
-              <a:t>soi</a:t>
-            </a:r>
-            <a:r>
-              <a:rPr lang="en-US" sz="5400" b="1" dirty="0">
-                <a:latin typeface="Times New Roman" panose="02020603050405020304" pitchFamily="18" charset="0"/>
-                <a:cs typeface="Times New Roman" panose="02020603050405020304" pitchFamily="18" charset="0"/>
-              </a:rPr>
-              <a:t> </a:t>
-            </a:r>
-            <a:r>
-              <a:rPr lang="en-US" sz="5400" b="1" dirty="0" err="1">
-                <a:latin typeface="Times New Roman" panose="02020603050405020304" pitchFamily="18" charset="0"/>
-                <a:cs typeface="Times New Roman" panose="02020603050405020304" pitchFamily="18" charset="0"/>
-              </a:rPr>
-              <a:t>trên</a:t>
-            </a:r>
-            <a:r>
-              <a:rPr lang="en-US" sz="5400" b="1" dirty="0">
-                <a:latin typeface="Times New Roman" panose="02020603050405020304" pitchFamily="18" charset="0"/>
-                <a:cs typeface="Times New Roman" panose="02020603050405020304" pitchFamily="18" charset="0"/>
-              </a:rPr>
-              <a:t> </a:t>
-            </a:r>
-            <a:r>
-              <a:rPr lang="en-US" sz="5400" b="1" dirty="0" err="1">
-                <a:latin typeface="Times New Roman" panose="02020603050405020304" pitchFamily="18" charset="0"/>
-                <a:cs typeface="Times New Roman" panose="02020603050405020304" pitchFamily="18" charset="0"/>
-              </a:rPr>
-              <a:t>các</a:t>
-            </a:r>
-            <a:r>
-              <a:rPr lang="en-US" sz="5400" b="1" dirty="0">
-                <a:latin typeface="Times New Roman" panose="02020603050405020304" pitchFamily="18" charset="0"/>
-                <a:cs typeface="Times New Roman" panose="02020603050405020304" pitchFamily="18" charset="0"/>
-              </a:rPr>
-              <a:t> </a:t>
-            </a:r>
-            <a:r>
-              <a:rPr lang="en-US" sz="5400" b="1" dirty="0" err="1">
-                <a:latin typeface="Times New Roman" panose="02020603050405020304" pitchFamily="18" charset="0"/>
-                <a:cs typeface="Times New Roman" panose="02020603050405020304" pitchFamily="18" charset="0"/>
-              </a:rPr>
-              <a:t>linh</a:t>
-            </a:r>
-            <a:r>
-              <a:rPr lang="en-US" sz="5400" b="1" dirty="0">
-                <a:latin typeface="Times New Roman" panose="02020603050405020304" pitchFamily="18" charset="0"/>
-                <a:cs typeface="Times New Roman" panose="02020603050405020304" pitchFamily="18" charset="0"/>
-              </a:rPr>
-              <a:t> </a:t>
-            </a:r>
-            <a:r>
-              <a:rPr lang="en-US" sz="5400" b="1" dirty="0" err="1">
-                <a:latin typeface="Times New Roman" panose="02020603050405020304" pitchFamily="18" charset="0"/>
-                <a:cs typeface="Times New Roman" panose="02020603050405020304" pitchFamily="18" charset="0"/>
-              </a:rPr>
-              <a:t>hồn</a:t>
-            </a:r>
-            <a:r>
-              <a:rPr lang="en-US" sz="5400" b="1" dirty="0">
-                <a:latin typeface="Times New Roman" panose="02020603050405020304" pitchFamily="18" charset="0"/>
-                <a:cs typeface="Times New Roman" panose="02020603050405020304" pitchFamily="18" charset="0"/>
-              </a:rPr>
-              <a:t>, </a:t>
-            </a:r>
-            <a:r>
-              <a:rPr lang="en-US" sz="5400" b="1" dirty="0" err="1">
-                <a:latin typeface="Times New Roman" panose="02020603050405020304" pitchFamily="18" charset="0"/>
-                <a:cs typeface="Times New Roman" panose="02020603050405020304" pitchFamily="18" charset="0"/>
-              </a:rPr>
-              <a:t>cùng</a:t>
-            </a:r>
-            <a:r>
-              <a:rPr lang="en-US" sz="5400" b="1" dirty="0">
-                <a:latin typeface="Times New Roman" panose="02020603050405020304" pitchFamily="18" charset="0"/>
-                <a:cs typeface="Times New Roman" panose="02020603050405020304" pitchFamily="18" charset="0"/>
-              </a:rPr>
-              <a:t> </a:t>
-            </a:r>
-            <a:r>
-              <a:rPr lang="en-US" sz="5400" b="1" dirty="0" err="1">
-                <a:latin typeface="Times New Roman" panose="02020603050405020304" pitchFamily="18" charset="0"/>
-                <a:cs typeface="Times New Roman" panose="02020603050405020304" pitchFamily="18" charset="0"/>
-              </a:rPr>
-              <a:t>với</a:t>
-            </a:r>
-            <a:r>
-              <a:rPr lang="en-US" sz="5400" b="1" dirty="0">
-                <a:latin typeface="Times New Roman" panose="02020603050405020304" pitchFamily="18" charset="0"/>
-                <a:cs typeface="Times New Roman" panose="02020603050405020304" pitchFamily="18" charset="0"/>
-              </a:rPr>
-              <a:t> </a:t>
-            </a:r>
-            <a:r>
-              <a:rPr lang="en-US" sz="5400" b="1" dirty="0" err="1">
-                <a:latin typeface="Times New Roman" panose="02020603050405020304" pitchFamily="18" charset="0"/>
-                <a:cs typeface="Times New Roman" panose="02020603050405020304" pitchFamily="18" charset="0"/>
-              </a:rPr>
-              <a:t>các</a:t>
-            </a:r>
-            <a:r>
-              <a:rPr lang="en-US" sz="5400" b="1" dirty="0">
-                <a:latin typeface="Times New Roman" panose="02020603050405020304" pitchFamily="18" charset="0"/>
-                <a:cs typeface="Times New Roman" panose="02020603050405020304" pitchFamily="18" charset="0"/>
-              </a:rPr>
-              <a:t> </a:t>
-            </a:r>
-            <a:r>
-              <a:rPr lang="en-US" sz="5400" b="1" dirty="0" err="1">
-                <a:latin typeface="Times New Roman" panose="02020603050405020304" pitchFamily="18" charset="0"/>
-                <a:cs typeface="Times New Roman" panose="02020603050405020304" pitchFamily="18" charset="0"/>
-              </a:rPr>
-              <a:t>thánh</a:t>
-            </a:r>
-            <a:r>
-              <a:rPr lang="en-US" sz="5400" b="1" dirty="0">
-                <a:latin typeface="Times New Roman" panose="02020603050405020304" pitchFamily="18" charset="0"/>
-                <a:cs typeface="Times New Roman" panose="02020603050405020304" pitchFamily="18" charset="0"/>
-              </a:rPr>
-              <a:t> </a:t>
-            </a:r>
-            <a:r>
-              <a:rPr lang="en-US" sz="5400" b="1" dirty="0" err="1">
-                <a:latin typeface="Times New Roman" panose="02020603050405020304" pitchFamily="18" charset="0"/>
-                <a:cs typeface="Times New Roman" panose="02020603050405020304" pitchFamily="18" charset="0"/>
-              </a:rPr>
-              <a:t>của</a:t>
-            </a:r>
-            <a:r>
-              <a:rPr lang="en-US" sz="5400" b="1" dirty="0">
-                <a:latin typeface="Times New Roman" panose="02020603050405020304" pitchFamily="18" charset="0"/>
-                <a:cs typeface="Times New Roman" panose="02020603050405020304" pitchFamily="18" charset="0"/>
-              </a:rPr>
-              <a:t> </a:t>
-            </a:r>
-            <a:r>
-              <a:rPr lang="en-US" sz="5400" b="1" dirty="0" err="1">
-                <a:latin typeface="Times New Roman" panose="02020603050405020304" pitchFamily="18" charset="0"/>
-                <a:cs typeface="Times New Roman" panose="02020603050405020304" pitchFamily="18" charset="0"/>
-              </a:rPr>
-              <a:t>Chúa</a:t>
-            </a:r>
-            <a:r>
-              <a:rPr lang="en-US" sz="5400" b="1" dirty="0">
-                <a:latin typeface="Times New Roman" panose="02020603050405020304" pitchFamily="18" charset="0"/>
-                <a:cs typeface="Times New Roman" panose="02020603050405020304" pitchFamily="18" charset="0"/>
-              </a:rPr>
-              <a:t> </a:t>
-            </a:r>
-            <a:r>
-              <a:rPr lang="en-US" sz="5400" b="1" dirty="0" err="1">
-                <a:latin typeface="Times New Roman" panose="02020603050405020304" pitchFamily="18" charset="0"/>
-                <a:cs typeface="Times New Roman" panose="02020603050405020304" pitchFamily="18" charset="0"/>
-              </a:rPr>
-              <a:t>đến</a:t>
-            </a:r>
-            <a:r>
-              <a:rPr lang="en-US" sz="5400" b="1" dirty="0">
-                <a:latin typeface="Times New Roman" panose="02020603050405020304" pitchFamily="18" charset="0"/>
-                <a:cs typeface="Times New Roman" panose="02020603050405020304" pitchFamily="18" charset="0"/>
-              </a:rPr>
-              <a:t> </a:t>
-            </a:r>
-            <a:r>
-              <a:rPr lang="en-US" sz="5400" b="1" dirty="0" err="1">
-                <a:latin typeface="Times New Roman" panose="02020603050405020304" pitchFamily="18" charset="0"/>
-                <a:cs typeface="Times New Roman" panose="02020603050405020304" pitchFamily="18" charset="0"/>
-              </a:rPr>
-              <a:t>muôn</a:t>
-            </a:r>
-            <a:r>
-              <a:rPr lang="en-US" sz="5400" b="1" dirty="0">
-                <a:latin typeface="Times New Roman" panose="02020603050405020304" pitchFamily="18" charset="0"/>
-                <a:cs typeface="Times New Roman" panose="02020603050405020304" pitchFamily="18" charset="0"/>
-              </a:rPr>
-              <a:t> </a:t>
-            </a:r>
-            <a:r>
-              <a:rPr lang="en-US" sz="5400" b="1" dirty="0" err="1">
-                <a:latin typeface="Times New Roman" panose="02020603050405020304" pitchFamily="18" charset="0"/>
-                <a:cs typeface="Times New Roman" panose="02020603050405020304" pitchFamily="18" charset="0"/>
-              </a:rPr>
-              <a:t>đời</a:t>
-            </a:r>
-            <a:r>
-              <a:rPr lang="en-US" sz="5400" b="1" dirty="0">
-                <a:latin typeface="Times New Roman" panose="02020603050405020304" pitchFamily="18" charset="0"/>
-                <a:cs typeface="Times New Roman" panose="02020603050405020304" pitchFamily="18" charset="0"/>
-              </a:rPr>
-              <a:t>, </a:t>
-            </a:r>
-            <a:r>
-              <a:rPr lang="en-US" sz="5400" b="1" dirty="0" err="1">
-                <a:latin typeface="Times New Roman" panose="02020603050405020304" pitchFamily="18" charset="0"/>
-                <a:cs typeface="Times New Roman" panose="02020603050405020304" pitchFamily="18" charset="0"/>
-              </a:rPr>
-              <a:t>vì</a:t>
-            </a:r>
-            <a:r>
-              <a:rPr lang="en-US" sz="5400" b="1" dirty="0">
-                <a:latin typeface="Times New Roman" panose="02020603050405020304" pitchFamily="18" charset="0"/>
-                <a:cs typeface="Times New Roman" panose="02020603050405020304" pitchFamily="18" charset="0"/>
-              </a:rPr>
-              <a:t> </a:t>
-            </a:r>
-            <a:r>
-              <a:rPr lang="en-US" sz="5400" b="1" dirty="0" err="1">
-                <a:latin typeface="Times New Roman" panose="02020603050405020304" pitchFamily="18" charset="0"/>
-                <a:cs typeface="Times New Roman" panose="02020603050405020304" pitchFamily="18" charset="0"/>
-              </a:rPr>
-              <a:t>Chúa</a:t>
-            </a:r>
-            <a:r>
-              <a:rPr lang="en-US" sz="5400" b="1" dirty="0">
-                <a:latin typeface="Times New Roman" panose="02020603050405020304" pitchFamily="18" charset="0"/>
-                <a:cs typeface="Times New Roman" panose="02020603050405020304" pitchFamily="18" charset="0"/>
-              </a:rPr>
-              <a:t> </a:t>
-            </a:r>
-            <a:r>
-              <a:rPr lang="en-US" sz="5400" b="1" dirty="0" err="1">
-                <a:latin typeface="Times New Roman" panose="02020603050405020304" pitchFamily="18" charset="0"/>
-                <a:cs typeface="Times New Roman" panose="02020603050405020304" pitchFamily="18" charset="0"/>
-              </a:rPr>
-              <a:t>là</a:t>
-            </a:r>
-            <a:r>
-              <a:rPr lang="en-US" sz="5400" b="1" dirty="0">
-                <a:latin typeface="Times New Roman" panose="02020603050405020304" pitchFamily="18" charset="0"/>
-                <a:cs typeface="Times New Roman" panose="02020603050405020304" pitchFamily="18" charset="0"/>
-              </a:rPr>
-              <a:t> </a:t>
-            </a:r>
-            <a:r>
-              <a:rPr lang="en-US" sz="5400" b="1" dirty="0" err="1">
-                <a:latin typeface="Times New Roman" panose="02020603050405020304" pitchFamily="18" charset="0"/>
-                <a:cs typeface="Times New Roman" panose="02020603050405020304" pitchFamily="18" charset="0"/>
-              </a:rPr>
-              <a:t>Đấng</a:t>
-            </a:r>
-            <a:r>
-              <a:rPr lang="en-US" sz="5400" b="1" dirty="0">
-                <a:latin typeface="Times New Roman" panose="02020603050405020304" pitchFamily="18" charset="0"/>
-                <a:cs typeface="Times New Roman" panose="02020603050405020304" pitchFamily="18" charset="0"/>
-              </a:rPr>
-              <a:t> hay </a:t>
-            </a:r>
-            <a:r>
-              <a:rPr lang="en-US" sz="5400" b="1" dirty="0" err="1">
-                <a:latin typeface="Times New Roman" panose="02020603050405020304" pitchFamily="18" charset="0"/>
-                <a:cs typeface="Times New Roman" panose="02020603050405020304" pitchFamily="18" charset="0"/>
-              </a:rPr>
-              <a:t>xót</a:t>
-            </a:r>
-            <a:r>
-              <a:rPr lang="en-US" sz="5400" b="1" dirty="0">
-                <a:latin typeface="Times New Roman" panose="02020603050405020304" pitchFamily="18" charset="0"/>
-                <a:cs typeface="Times New Roman" panose="02020603050405020304" pitchFamily="18" charset="0"/>
-              </a:rPr>
-              <a:t> </a:t>
-            </a:r>
-            <a:r>
-              <a:rPr lang="en-US" sz="5400" b="1" dirty="0" err="1">
-                <a:latin typeface="Times New Roman" panose="02020603050405020304" pitchFamily="18" charset="0"/>
-                <a:cs typeface="Times New Roman" panose="02020603050405020304" pitchFamily="18" charset="0"/>
-              </a:rPr>
-              <a:t>thương</a:t>
-            </a:r>
-            <a:r>
-              <a:rPr lang="en-US" sz="5400" b="1" dirty="0">
-                <a:latin typeface="Times New Roman" panose="02020603050405020304" pitchFamily="18" charset="0"/>
-                <a:cs typeface="Times New Roman" panose="02020603050405020304" pitchFamily="18" charset="0"/>
-              </a:rPr>
-              <a:t>. </a:t>
-            </a:r>
-            <a:endParaRPr lang="vi-VN" sz="5400" dirty="0"/>
+            <a:endParaRPr lang="en-US"/>
           </a:p>
         </p:txBody>
       </p:sp>
     </p:spTree>
     <p:extLst>
       <p:ext uri="{BB962C8B-B14F-4D97-AF65-F5344CB8AC3E}">
-        <p14:creationId xmlns:p14="http://schemas.microsoft.com/office/powerpoint/2010/main" val="2509181733"/>
+        <p14:creationId xmlns:p14="http://schemas.microsoft.com/office/powerpoint/2010/main" val="2990856189"/>
       </p:ext>
     </p:extLst>
   </p:cSld>
   <p:clrMapOvr>
     <a:masterClrMapping/>
   </p:clrMapOvr>
+  <p:timing>
+    <p:tnLst>
+      <p:par>
+        <p:cTn id="1" dur="indefinite" restart="never" nodeType="tmRoot"/>
+      </p:par>
+    </p:tnLst>
+  </p:timing>
 </p:sld>
 </file>
 
@@ -18533,101 +18495,6 @@
       </p:grpSpPr>
       <p:sp>
         <p:nvSpPr>
-          <p:cNvPr id="2" name="Title 1"/>
-          <p:cNvSpPr>
-            <a:spLocks noGrp="1"/>
-          </p:cNvSpPr>
-          <p:nvPr>
-            <p:ph type="ctrTitle"/>
-          </p:nvPr>
-        </p:nvSpPr>
-        <p:spPr>
-          <a:xfrm>
-            <a:off x="0" y="13648"/>
-            <a:ext cx="9144000" cy="533400"/>
-          </a:xfrm>
-        </p:spPr>
-        <p:txBody>
-          <a:bodyPr>
-            <a:normAutofit/>
-          </a:bodyPr>
-          <a:lstStyle/>
-          <a:p>
-            <a:pPr algn="l"/>
-            <a:r>
-              <a:rPr lang="en-US" sz="1800" dirty="0" err="1">
-                <a:solidFill>
-                  <a:srgbClr val="FF0000"/>
-                </a:solidFill>
-                <a:latin typeface="Times New Roman" panose="02020603050405020304" pitchFamily="18" charset="0"/>
-                <a:cs typeface="Times New Roman" panose="02020603050405020304" pitchFamily="18" charset="0"/>
-              </a:rPr>
-              <a:t>Hiệp</a:t>
-            </a:r>
-            <a:r>
-              <a:rPr lang="en-US" sz="1800" dirty="0">
-                <a:solidFill>
-                  <a:srgbClr val="FF0000"/>
-                </a:solidFill>
-                <a:latin typeface="Times New Roman" panose="02020603050405020304" pitchFamily="18" charset="0"/>
-                <a:cs typeface="Times New Roman" panose="02020603050405020304" pitchFamily="18" charset="0"/>
-              </a:rPr>
-              <a:t> </a:t>
-            </a:r>
-            <a:r>
-              <a:rPr lang="en-US" sz="1800" dirty="0" err="1">
-                <a:solidFill>
-                  <a:srgbClr val="FF0000"/>
-                </a:solidFill>
-                <a:latin typeface="Times New Roman" panose="02020603050405020304" pitchFamily="18" charset="0"/>
-                <a:cs typeface="Times New Roman" panose="02020603050405020304" pitchFamily="18" charset="0"/>
-              </a:rPr>
-              <a:t>lễ</a:t>
-            </a:r>
-            <a:r>
-              <a:rPr lang="en-US" sz="1800" dirty="0">
-                <a:solidFill>
-                  <a:srgbClr val="FF0000"/>
-                </a:solidFill>
-                <a:latin typeface="Times New Roman" panose="02020603050405020304" pitchFamily="18" charset="0"/>
-                <a:cs typeface="Times New Roman" panose="02020603050405020304" pitchFamily="18" charset="0"/>
-              </a:rPr>
-              <a:t> 			    </a:t>
-            </a:r>
-            <a:r>
-              <a:rPr lang="en-US" sz="2400" b="1" dirty="0">
-                <a:solidFill>
-                  <a:srgbClr val="FF0000"/>
-                </a:solidFill>
-                <a:effectLst>
-                  <a:outerShdw blurRad="38100" dist="38100" dir="2700000" algn="tl">
-                    <a:srgbClr val="000000">
-                      <a:alpha val="43137"/>
-                    </a:srgbClr>
-                  </a:outerShdw>
-                </a:effectLst>
-                <a:latin typeface="Times New Roman" panose="02020603050405020304" pitchFamily="18" charset="0"/>
-                <a:cs typeface="Times New Roman" panose="02020603050405020304" pitchFamily="18" charset="0"/>
-              </a:rPr>
-              <a:t>TIN MỪNG PHỤC SINH 1 (TN)</a:t>
-            </a:r>
-            <a:endParaRPr lang="en-US" sz="2400" b="1" dirty="0">
-              <a:solidFill>
-                <a:srgbClr val="FF0000"/>
-              </a:solidFill>
-              <a:effectLst>
-                <a:outerShdw blurRad="38100" dist="38100" dir="2700000" algn="tl">
-                  <a:srgbClr val="000000">
-                    <a:alpha val="43137"/>
-                  </a:srgbClr>
-                </a:outerShdw>
-              </a:effectLst>
-            </a:endParaRPr>
-          </a:p>
-        </p:txBody>
-      </p:sp>
-      <p:sp>
-        <p:nvSpPr>
           <p:cNvPr id="3" name="Subtitle 2"/>
           <p:cNvSpPr>
             <a:spLocks noGrp="1"/>
@@ -18654,14 +18521,15 @@
               </a:tabLst>
             </a:pPr>
             <a:r>
-              <a:rPr lang="vi-VN" sz="5400" b="1" dirty="0">
-                <a:latin typeface="+mj-lt"/>
-              </a:rPr>
-              <a:t>ĐK. Đức Ki-tô đã sống lại thật rồi! Đức Ki-tô đã đánh tan tử thần. Nào hân hoan cùng ca lên Al-lê-lu-ia! </a:t>
+              <a:rPr lang="en-US" sz="5400" b="1" smtClean="0">
+                <a:latin typeface="Times New Roman" pitchFamily="18" charset="0"/>
+                <a:cs typeface="Times New Roman" pitchFamily="18" charset="0"/>
+              </a:rPr>
+              <a:t>Chiên vượt qua của chúng ta, là Đức Ki-tô đã hiến tế, vì thế chúng ta hãy mừng lễ với bánh không men tinh tuyền và chân chính. Alleluia</a:t>
             </a:r>
             <a:endParaRPr lang="en-US" sz="5400" b="1" dirty="0">
-              <a:latin typeface="+mj-lt"/>
-              <a:cs typeface="Times New Roman" panose="02020603050405020304" pitchFamily="18" charset="0"/>
+              <a:latin typeface="Times New Roman" pitchFamily="18" charset="0"/>
+              <a:cs typeface="Times New Roman" pitchFamily="18" charset="0"/>
             </a:endParaRPr>
           </a:p>
         </p:txBody>
@@ -18669,7 +18537,7 @@
     </p:spTree>
     <p:extLst>
       <p:ext uri="{BB962C8B-B14F-4D97-AF65-F5344CB8AC3E}">
-        <p14:creationId xmlns:p14="http://schemas.microsoft.com/office/powerpoint/2010/main" val="1065746281"/>
+        <p14:creationId xmlns:p14="http://schemas.microsoft.com/office/powerpoint/2010/main" val="678157772"/>
       </p:ext>
     </p:extLst>
   </p:cSld>
@@ -18677,6 +18545,13 @@
     <a:masterClrMapping/>
   </p:clrMapOvr>
   <p:transition/>
+  <p:timing>
+    <p:tnLst>
+      <p:par>
+        <p:cTn id="1" dur="indefinite" restart="never" nodeType="tmRoot"/>
+      </p:par>
+    </p:tnLst>
+  </p:timing>
 </p:sld>
 </file>
 
@@ -18823,7 +18698,7 @@
               <a:rPr lang="vi-VN" sz="5400" b="1" dirty="0">
                 <a:latin typeface="+mj-lt"/>
               </a:rPr>
-              <a:t>Đức Ki-tô là Tình Yêu vinh thắng mang cho đời sự sống mới linh thiêng. Cất cao lên câu ngợi ca Al-lê-lu-ia!</a:t>
+              <a:t>ĐK. Đức Ki-tô đã sống lại thật rồi! Đức Ki-tô đã đánh tan tử thần. Nào hân hoan cùng ca lên Al-lê-lu-ia! </a:t>
             </a:r>
             <a:endParaRPr lang="en-US" sz="5400" b="1" dirty="0">
               <a:latin typeface="+mj-lt"/>
@@ -18835,7 +18710,7 @@
     </p:spTree>
     <p:extLst>
       <p:ext uri="{BB962C8B-B14F-4D97-AF65-F5344CB8AC3E}">
-        <p14:creationId xmlns:p14="http://schemas.microsoft.com/office/powerpoint/2010/main" val="2762500583"/>
+        <p14:creationId xmlns:p14="http://schemas.microsoft.com/office/powerpoint/2010/main" val="609296440"/>
       </p:ext>
     </p:extLst>
   </p:cSld>
@@ -18843,6 +18718,13 @@
     <a:masterClrMapping/>
   </p:clrMapOvr>
   <p:transition/>
+  <p:timing>
+    <p:tnLst>
+      <p:par>
+        <p:cTn id="1" dur="indefinite" restart="never" nodeType="tmRoot"/>
+      </p:par>
+    </p:tnLst>
+  </p:timing>
 </p:sld>
 </file>
 
@@ -18970,8 +18852,8 @@
         </p:nvSpPr>
         <p:spPr>
           <a:xfrm>
-            <a:off x="0" y="994410"/>
-            <a:ext cx="9144000" cy="5615940"/>
+            <a:off x="0" y="1432560"/>
+            <a:ext cx="9144000" cy="5105400"/>
           </a:xfrm>
         </p:spPr>
         <p:txBody>
@@ -18989,7 +18871,7 @@
               <a:rPr lang="vi-VN" sz="5400" b="1" dirty="0">
                 <a:latin typeface="+mj-lt"/>
               </a:rPr>
-              <a:t>1. Hãy loan báo tin mừng rằng Đức Ki-tô đã sống lại thật rồi Ngài là niềm vui ơn cứu rỗi. Chúa đã ra khỏi mồ rồi sự sống chiến thắng reo vui. </a:t>
+              <a:t>ĐK. Đức Ki-tô đã sống lại thật rồi! Đức Ki-tô đã đánh tan tử thần. Nào hân hoan cùng ca lên Al-lê-lu-ia! </a:t>
             </a:r>
             <a:endParaRPr lang="en-US" sz="5400" b="1" dirty="0">
               <a:latin typeface="+mj-lt"/>
@@ -19001,7 +18883,7 @@
     </p:spTree>
     <p:extLst>
       <p:ext uri="{BB962C8B-B14F-4D97-AF65-F5344CB8AC3E}">
-        <p14:creationId xmlns:p14="http://schemas.microsoft.com/office/powerpoint/2010/main" val="3945163419"/>
+        <p14:creationId xmlns:p14="http://schemas.microsoft.com/office/powerpoint/2010/main" val="1065746281"/>
       </p:ext>
     </p:extLst>
   </p:cSld>
@@ -19009,6 +18891,13 @@
     <a:masterClrMapping/>
   </p:clrMapOvr>
   <p:transition/>
+  <p:timing>
+    <p:tnLst>
+      <p:par>
+        <p:cTn id="1" dur="indefinite" restart="never" nodeType="tmRoot"/>
+      </p:par>
+    </p:tnLst>
+  </p:timing>
 </p:sld>
 </file>
 
@@ -19136,8 +19025,8 @@
         </p:nvSpPr>
         <p:spPr>
           <a:xfrm>
-            <a:off x="0" y="1481744"/>
-            <a:ext cx="9144000" cy="4641273"/>
+            <a:off x="0" y="1432560"/>
+            <a:ext cx="9144000" cy="5105400"/>
           </a:xfrm>
         </p:spPr>
         <p:txBody>
@@ -19155,7 +19044,7 @@
               <a:rPr lang="vi-VN" sz="5400" b="1" dirty="0">
                 <a:latin typeface="+mj-lt"/>
               </a:rPr>
-              <a:t>Hãy cất bước lên đường dám sống cho một niềm tin dám chết cho một cuộc tình. Tin vào lòng thương xót Chúa con hiến thân sống cho tình yêu.</a:t>
+              <a:t>Đức Ki-tô là Tình Yêu vinh thắng mang cho đời sự sống mới linh thiêng. Cất cao lên câu ngợi ca Al-lê-lu-ia!</a:t>
             </a:r>
             <a:endParaRPr lang="en-US" sz="5400" b="1" dirty="0">
               <a:latin typeface="+mj-lt"/>
@@ -19167,7 +19056,7 @@
     </p:spTree>
     <p:extLst>
       <p:ext uri="{BB962C8B-B14F-4D97-AF65-F5344CB8AC3E}">
-        <p14:creationId xmlns:p14="http://schemas.microsoft.com/office/powerpoint/2010/main" val="3298263499"/>
+        <p14:creationId xmlns:p14="http://schemas.microsoft.com/office/powerpoint/2010/main" val="2762500583"/>
       </p:ext>
     </p:extLst>
   </p:cSld>
@@ -19175,6 +19064,13 @@
     <a:masterClrMapping/>
   </p:clrMapOvr>
   <p:transition/>
+  <p:timing>
+    <p:tnLst>
+      <p:par>
+        <p:cTn id="1" dur="indefinite" restart="never" nodeType="tmRoot"/>
+      </p:par>
+    </p:tnLst>
+  </p:timing>
 </p:sld>
 </file>
 
@@ -19302,8 +19198,8 @@
         </p:nvSpPr>
         <p:spPr>
           <a:xfrm>
-            <a:off x="0" y="1432560"/>
-            <a:ext cx="9144000" cy="5105400"/>
+            <a:off x="0" y="994410"/>
+            <a:ext cx="9144000" cy="5615940"/>
           </a:xfrm>
         </p:spPr>
         <p:txBody>
@@ -19321,7 +19217,7 @@
               <a:rPr lang="vi-VN" sz="5400" b="1" dirty="0">
                 <a:latin typeface="+mj-lt"/>
               </a:rPr>
-              <a:t>ĐK. Đức Ki-tô đã sống lại thật rồi! Đức Ki-tô đã đánh tan tử thần. Nào hân hoan cùng ca lên Al-lê-lu-ia! </a:t>
+              <a:t>1. Hãy loan báo tin mừng rằng Đức Ki-tô đã sống lại thật rồi Ngài là niềm vui ơn cứu rỗi. Chúa đã ra khỏi mồ rồi sự sống chiến thắng reo vui. </a:t>
             </a:r>
             <a:endParaRPr lang="en-US" sz="5400" b="1" dirty="0">
               <a:latin typeface="+mj-lt"/>
@@ -19333,7 +19229,7 @@
     </p:spTree>
     <p:extLst>
       <p:ext uri="{BB962C8B-B14F-4D97-AF65-F5344CB8AC3E}">
-        <p14:creationId xmlns:p14="http://schemas.microsoft.com/office/powerpoint/2010/main" val="3243242990"/>
+        <p14:creationId xmlns:p14="http://schemas.microsoft.com/office/powerpoint/2010/main" val="3945163419"/>
       </p:ext>
     </p:extLst>
   </p:cSld>
@@ -19341,6 +19237,13 @@
     <a:masterClrMapping/>
   </p:clrMapOvr>
   <p:transition/>
+  <p:timing>
+    <p:tnLst>
+      <p:par>
+        <p:cTn id="1" dur="indefinite" restart="never" nodeType="tmRoot"/>
+      </p:par>
+    </p:tnLst>
+  </p:timing>
 </p:sld>
 </file>
 
@@ -19468,8 +19371,8 @@
         </p:nvSpPr>
         <p:spPr>
           <a:xfrm>
-            <a:off x="0" y="1432560"/>
-            <a:ext cx="9144000" cy="5105400"/>
+            <a:off x="0" y="1481744"/>
+            <a:ext cx="9144000" cy="4641273"/>
           </a:xfrm>
         </p:spPr>
         <p:txBody>
@@ -19487,7 +19390,7 @@
               <a:rPr lang="vi-VN" sz="5400" b="1" dirty="0">
                 <a:latin typeface="+mj-lt"/>
               </a:rPr>
-              <a:t>Đức Ki-tô là Tình Yêu vinh thắng mang cho đời sự sống mới linh thiêng. Cất cao lên câu ngợi ca Al-lê-lu-ia!</a:t>
+              <a:t>Hãy cất bước lên đường dám sống cho một niềm tin dám chết cho một cuộc tình. Tin vào lòng thương xót Chúa con hiến thân sống cho tình yêu.</a:t>
             </a:r>
             <a:endParaRPr lang="en-US" sz="5400" b="1" dirty="0">
               <a:latin typeface="+mj-lt"/>
@@ -19499,7 +19402,7 @@
     </p:spTree>
     <p:extLst>
       <p:ext uri="{BB962C8B-B14F-4D97-AF65-F5344CB8AC3E}">
-        <p14:creationId xmlns:p14="http://schemas.microsoft.com/office/powerpoint/2010/main" val="4126120790"/>
+        <p14:creationId xmlns:p14="http://schemas.microsoft.com/office/powerpoint/2010/main" val="3298263499"/>
       </p:ext>
     </p:extLst>
   </p:cSld>
@@ -19507,6 +19410,13 @@
     <a:masterClrMapping/>
   </p:clrMapOvr>
   <p:transition/>
+  <p:timing>
+    <p:tnLst>
+      <p:par>
+        <p:cTn id="1" dur="indefinite" restart="never" nodeType="tmRoot"/>
+      </p:par>
+    </p:tnLst>
+  </p:timing>
 </p:sld>
 </file>
 
@@ -19634,8 +19544,8 @@
         </p:nvSpPr>
         <p:spPr>
           <a:xfrm>
-            <a:off x="0" y="1108363"/>
-            <a:ext cx="9144000" cy="4641273"/>
+            <a:off x="0" y="1432560"/>
+            <a:ext cx="9144000" cy="5105400"/>
           </a:xfrm>
         </p:spPr>
         <p:txBody>
@@ -19653,13 +19563,7 @@
               <a:rPr lang="vi-VN" sz="5400" b="1" dirty="0">
                 <a:latin typeface="+mj-lt"/>
               </a:rPr>
-              <a:t>2. Hãy loan báo tin mừng rằng Đức Ki-tô đã thắng tử thần rồi Ngài là nguồn ân ban sự sống. Hãy vững tâm giữa cuộc đời và sống tín thác không ngơi</a:t>
-            </a:r>
-            <a:r>
-              <a:rPr lang="en-US" sz="5400" b="1" dirty="0">
-                <a:latin typeface="+mj-lt"/>
-              </a:rPr>
-              <a:t>.</a:t>
+              <a:t>ĐK. Đức Ki-tô đã sống lại thật rồi! Đức Ki-tô đã đánh tan tử thần. Nào hân hoan cùng ca lên Al-lê-lu-ia! </a:t>
             </a:r>
             <a:endParaRPr lang="en-US" sz="5400" b="1" dirty="0">
               <a:latin typeface="+mj-lt"/>
@@ -19671,7 +19575,7 @@
     </p:spTree>
     <p:extLst>
       <p:ext uri="{BB962C8B-B14F-4D97-AF65-F5344CB8AC3E}">
-        <p14:creationId xmlns:p14="http://schemas.microsoft.com/office/powerpoint/2010/main" val="2118903650"/>
+        <p14:creationId xmlns:p14="http://schemas.microsoft.com/office/powerpoint/2010/main" val="3243242990"/>
       </p:ext>
     </p:extLst>
   </p:cSld>
@@ -19679,6 +19583,13 @@
     <a:masterClrMapping/>
   </p:clrMapOvr>
   <p:transition/>
+  <p:timing>
+    <p:tnLst>
+      <p:par>
+        <p:cTn id="1" dur="indefinite" restart="never" nodeType="tmRoot"/>
+      </p:par>
+    </p:tnLst>
+  </p:timing>
 </p:sld>
 </file>
 
@@ -19808,6 +19719,13 @@
     <a:masterClrMapping/>
   </p:clrMapOvr>
   <p:transition/>
+  <p:timing>
+    <p:tnLst>
+      <p:par>
+        <p:cTn id="1" dur="indefinite" restart="never" nodeType="tmRoot"/>
+      </p:par>
+    </p:tnLst>
+  </p:timing>
 </p:sld>
 </file>
 
@@ -19935,8 +19853,8 @@
         </p:nvSpPr>
         <p:spPr>
           <a:xfrm>
-            <a:off x="0" y="1511118"/>
-            <a:ext cx="9144000" cy="3835763"/>
+            <a:off x="0" y="1432560"/>
+            <a:ext cx="9144000" cy="5105400"/>
           </a:xfrm>
         </p:spPr>
         <p:txBody>
@@ -19954,7 +19872,7 @@
               <a:rPr lang="vi-VN" sz="5400" b="1" dirty="0">
                 <a:latin typeface="+mj-lt"/>
               </a:rPr>
-              <a:t>Hãy cất tiếng ca ngợi muôn nơi giữa lòng thế giới ánh sáng cứu độ muôn người. Chúa là niềm vui hạnh phúc cho những ai mến tin từ nay.</a:t>
+              <a:t>Đức Ki-tô là Tình Yêu vinh thắng mang cho đời sự sống mới linh thiêng. Cất cao lên câu ngợi ca Al-lê-lu-ia!</a:t>
             </a:r>
             <a:endParaRPr lang="en-US" sz="5400" b="1" dirty="0">
               <a:latin typeface="+mj-lt"/>
@@ -19966,7 +19884,7 @@
     </p:spTree>
     <p:extLst>
       <p:ext uri="{BB962C8B-B14F-4D97-AF65-F5344CB8AC3E}">
-        <p14:creationId xmlns:p14="http://schemas.microsoft.com/office/powerpoint/2010/main" val="1047378540"/>
+        <p14:creationId xmlns:p14="http://schemas.microsoft.com/office/powerpoint/2010/main" val="4126120790"/>
       </p:ext>
     </p:extLst>
   </p:cSld>
@@ -19974,6 +19892,13 @@
     <a:masterClrMapping/>
   </p:clrMapOvr>
   <p:transition/>
+  <p:timing>
+    <p:tnLst>
+      <p:par>
+        <p:cTn id="1" dur="indefinite" restart="never" nodeType="tmRoot"/>
+      </p:par>
+    </p:tnLst>
+  </p:timing>
 </p:sld>
 </file>
 
@@ -20101,8 +20026,8 @@
         </p:nvSpPr>
         <p:spPr>
           <a:xfrm>
-            <a:off x="0" y="1432560"/>
-            <a:ext cx="9144000" cy="5105400"/>
+            <a:off x="0" y="1108363"/>
+            <a:ext cx="9144000" cy="4641273"/>
           </a:xfrm>
         </p:spPr>
         <p:txBody>
@@ -20120,7 +20045,13 @@
               <a:rPr lang="vi-VN" sz="5400" b="1" dirty="0">
                 <a:latin typeface="+mj-lt"/>
               </a:rPr>
-              <a:t>ĐK. Đức Ki-tô đã sống lại thật rồi! Đức Ki-tô đã đánh tan tử thần. Nào hân hoan cùng ca lên Al-lê-lu-ia! </a:t>
+              <a:t>2. Hãy loan báo tin mừng rằng Đức Ki-tô đã thắng tử thần rồi Ngài là nguồn ân ban sự sống. Hãy vững tâm giữa cuộc đời và sống tín thác không ngơi</a:t>
+            </a:r>
+            <a:r>
+              <a:rPr lang="en-US" sz="5400" b="1" dirty="0">
+                <a:latin typeface="+mj-lt"/>
+              </a:rPr>
+              <a:t>.</a:t>
             </a:r>
             <a:endParaRPr lang="en-US" sz="5400" b="1" dirty="0">
               <a:latin typeface="+mj-lt"/>
@@ -20132,7 +20063,7 @@
     </p:spTree>
     <p:extLst>
       <p:ext uri="{BB962C8B-B14F-4D97-AF65-F5344CB8AC3E}">
-        <p14:creationId xmlns:p14="http://schemas.microsoft.com/office/powerpoint/2010/main" val="4035430142"/>
+        <p14:creationId xmlns:p14="http://schemas.microsoft.com/office/powerpoint/2010/main" val="2118903650"/>
       </p:ext>
     </p:extLst>
   </p:cSld>
@@ -20140,6 +20071,13 @@
     <a:masterClrMapping/>
   </p:clrMapOvr>
   <p:transition/>
+  <p:timing>
+    <p:tnLst>
+      <p:par>
+        <p:cTn id="1" dur="indefinite" restart="never" nodeType="tmRoot"/>
+      </p:par>
+    </p:tnLst>
+  </p:timing>
 </p:sld>
 </file>
 
@@ -20267,8 +20205,8 @@
         </p:nvSpPr>
         <p:spPr>
           <a:xfrm>
-            <a:off x="0" y="1432560"/>
-            <a:ext cx="9144000" cy="5105400"/>
+            <a:off x="0" y="1511118"/>
+            <a:ext cx="9144000" cy="3835763"/>
           </a:xfrm>
         </p:spPr>
         <p:txBody>
@@ -20286,7 +20224,7 @@
               <a:rPr lang="vi-VN" sz="5400" b="1" dirty="0">
                 <a:latin typeface="+mj-lt"/>
               </a:rPr>
-              <a:t>Đức Ki-tô là Tình Yêu vinh thắng mang cho đời sự sống mới linh thiêng. Cất cao lên câu ngợi ca Al-lê-lu-ia!</a:t>
+              <a:t>Hãy cất tiếng ca ngợi muôn nơi giữa lòng thế giới ánh sáng cứu độ muôn người. Chúa là niềm vui hạnh phúc cho những ai mến tin từ nay.</a:t>
             </a:r>
             <a:endParaRPr lang="en-US" sz="5400" b="1" dirty="0">
               <a:latin typeface="+mj-lt"/>
@@ -20298,7 +20236,7 @@
     </p:spTree>
     <p:extLst>
       <p:ext uri="{BB962C8B-B14F-4D97-AF65-F5344CB8AC3E}">
-        <p14:creationId xmlns:p14="http://schemas.microsoft.com/office/powerpoint/2010/main" val="189967612"/>
+        <p14:creationId xmlns:p14="http://schemas.microsoft.com/office/powerpoint/2010/main" val="1047378540"/>
       </p:ext>
     </p:extLst>
   </p:cSld>
@@ -20306,6 +20244,13 @@
     <a:masterClrMapping/>
   </p:clrMapOvr>
   <p:transition/>
+  <p:timing>
+    <p:tnLst>
+      <p:par>
+        <p:cTn id="1" dur="indefinite" restart="never" nodeType="tmRoot"/>
+      </p:par>
+    </p:tnLst>
+  </p:timing>
 </p:sld>
 </file>
 
@@ -20433,8 +20378,8 @@
         </p:nvSpPr>
         <p:spPr>
           <a:xfrm>
-            <a:off x="0" y="1108363"/>
-            <a:ext cx="9144000" cy="4641273"/>
+            <a:off x="0" y="1432560"/>
+            <a:ext cx="9144000" cy="5105400"/>
           </a:xfrm>
         </p:spPr>
         <p:txBody>
@@ -20452,7 +20397,7 @@
               <a:rPr lang="vi-VN" sz="5400" b="1" dirty="0">
                 <a:latin typeface="+mj-lt"/>
               </a:rPr>
-              <a:t>3. Chúa vinh thắng khải hoàn rồi Chúa đang chờ đợi con trong cuộc đời Ngài mời gọi con mau đi tới. Hãy bước ra khỏi mộ buồn vượt thoát bóng tối âm u. </a:t>
+              <a:t>ĐK. Đức Ki-tô đã sống lại thật rồi! Đức Ki-tô đã đánh tan tử thần. Nào hân hoan cùng ca lên Al-lê-lu-ia! </a:t>
             </a:r>
             <a:endParaRPr lang="en-US" sz="5400" b="1" dirty="0">
               <a:latin typeface="+mj-lt"/>
@@ -20464,7 +20409,7 @@
     </p:spTree>
     <p:extLst>
       <p:ext uri="{BB962C8B-B14F-4D97-AF65-F5344CB8AC3E}">
-        <p14:creationId xmlns:p14="http://schemas.microsoft.com/office/powerpoint/2010/main" val="281718167"/>
+        <p14:creationId xmlns:p14="http://schemas.microsoft.com/office/powerpoint/2010/main" val="4035430142"/>
       </p:ext>
     </p:extLst>
   </p:cSld>
@@ -20472,6 +20417,13 @@
     <a:masterClrMapping/>
   </p:clrMapOvr>
   <p:transition/>
+  <p:timing>
+    <p:tnLst>
+      <p:par>
+        <p:cTn id="1" dur="indefinite" restart="never" nodeType="tmRoot"/>
+      </p:par>
+    </p:tnLst>
+  </p:timing>
 </p:sld>
 </file>
 
@@ -20599,8 +20551,8 @@
         </p:nvSpPr>
         <p:spPr>
           <a:xfrm>
-            <a:off x="0" y="1108363"/>
-            <a:ext cx="9144000" cy="4641273"/>
+            <a:off x="0" y="1432560"/>
+            <a:ext cx="9144000" cy="5105400"/>
           </a:xfrm>
         </p:spPr>
         <p:txBody>
@@ -20618,7 +20570,7 @@
               <a:rPr lang="vi-VN" sz="5400" b="1" dirty="0">
                 <a:latin typeface="+mj-lt"/>
               </a:rPr>
-              <a:t>Hãy biết sống can trường vươn lên giữa mọi đau thương xóa hết xấu xa tầm thường. Để rồi trở nên nhân chứng loan báo tin Chúa đã phục sinh.</a:t>
+              <a:t>Đức Ki-tô là Tình Yêu vinh thắng mang cho đời sự sống mới linh thiêng. Cất cao lên câu ngợi ca Al-lê-lu-ia!</a:t>
             </a:r>
             <a:endParaRPr lang="en-US" sz="5400" b="1" dirty="0">
               <a:latin typeface="+mj-lt"/>
@@ -20630,7 +20582,7 @@
     </p:spTree>
     <p:extLst>
       <p:ext uri="{BB962C8B-B14F-4D97-AF65-F5344CB8AC3E}">
-        <p14:creationId xmlns:p14="http://schemas.microsoft.com/office/powerpoint/2010/main" val="2319964085"/>
+        <p14:creationId xmlns:p14="http://schemas.microsoft.com/office/powerpoint/2010/main" val="189967612"/>
       </p:ext>
     </p:extLst>
   </p:cSld>
@@ -20638,6 +20590,13 @@
     <a:masterClrMapping/>
   </p:clrMapOvr>
   <p:transition/>
+  <p:timing>
+    <p:tnLst>
+      <p:par>
+        <p:cTn id="1" dur="indefinite" restart="never" nodeType="tmRoot"/>
+      </p:par>
+    </p:tnLst>
+  </p:timing>
 </p:sld>
 </file>
 
@@ -20765,8 +20724,8 @@
         </p:nvSpPr>
         <p:spPr>
           <a:xfrm>
-            <a:off x="0" y="1432560"/>
-            <a:ext cx="9144000" cy="5105400"/>
+            <a:off x="0" y="1108363"/>
+            <a:ext cx="9144000" cy="4641273"/>
           </a:xfrm>
         </p:spPr>
         <p:txBody>
@@ -20784,7 +20743,7 @@
               <a:rPr lang="vi-VN" sz="5400" b="1" dirty="0">
                 <a:latin typeface="+mj-lt"/>
               </a:rPr>
-              <a:t>ĐK. Đức Ki-tô đã sống lại thật rồi! Đức Ki-tô đã đánh tan tử thần. Nào hân hoan cùng ca lên Al-lê-lu-ia! </a:t>
+              <a:t>3. Chúa vinh thắng khải hoàn rồi Chúa đang chờ đợi con trong cuộc đời Ngài mời gọi con mau đi tới. Hãy bước ra khỏi mộ buồn vượt thoát bóng tối âm u. </a:t>
             </a:r>
             <a:endParaRPr lang="en-US" sz="5400" b="1" dirty="0">
               <a:latin typeface="+mj-lt"/>
@@ -20796,7 +20755,7 @@
     </p:spTree>
     <p:extLst>
       <p:ext uri="{BB962C8B-B14F-4D97-AF65-F5344CB8AC3E}">
-        <p14:creationId xmlns:p14="http://schemas.microsoft.com/office/powerpoint/2010/main" val="1756572408"/>
+        <p14:creationId xmlns:p14="http://schemas.microsoft.com/office/powerpoint/2010/main" val="281718167"/>
       </p:ext>
     </p:extLst>
   </p:cSld>
@@ -20804,6 +20763,13 @@
     <a:masterClrMapping/>
   </p:clrMapOvr>
   <p:transition/>
+  <p:timing>
+    <p:tnLst>
+      <p:par>
+        <p:cTn id="1" dur="indefinite" restart="never" nodeType="tmRoot"/>
+      </p:par>
+    </p:tnLst>
+  </p:timing>
 </p:sld>
 </file>
 
@@ -20931,8 +20897,8 @@
         </p:nvSpPr>
         <p:spPr>
           <a:xfrm>
-            <a:off x="0" y="1432560"/>
-            <a:ext cx="9144000" cy="5105400"/>
+            <a:off x="0" y="1108363"/>
+            <a:ext cx="9144000" cy="4641273"/>
           </a:xfrm>
         </p:spPr>
         <p:txBody>
@@ -20950,7 +20916,7 @@
               <a:rPr lang="vi-VN" sz="5400" b="1" dirty="0">
                 <a:latin typeface="+mj-lt"/>
               </a:rPr>
-              <a:t>Đức Ki-tô là Tình Yêu vinh thắng mang cho đời sự sống mới linh thiêng. Cất cao lên câu ngợi ca Al-lê-lu-ia!</a:t>
+              <a:t>Hãy biết sống can trường vươn lên giữa mọi đau thương xóa hết xấu xa tầm thường. Để rồi trở nên nhân chứng loan báo tin Chúa đã phục sinh.</a:t>
             </a:r>
             <a:endParaRPr lang="en-US" sz="5400" b="1" dirty="0">
               <a:latin typeface="+mj-lt"/>
@@ -20962,7 +20928,7 @@
     </p:spTree>
     <p:extLst>
       <p:ext uri="{BB962C8B-B14F-4D97-AF65-F5344CB8AC3E}">
-        <p14:creationId xmlns:p14="http://schemas.microsoft.com/office/powerpoint/2010/main" val="3556029072"/>
+        <p14:creationId xmlns:p14="http://schemas.microsoft.com/office/powerpoint/2010/main" val="2319964085"/>
       </p:ext>
     </p:extLst>
   </p:cSld>
@@ -20970,6 +20936,13 @@
     <a:masterClrMapping/>
   </p:clrMapOvr>
   <p:transition/>
+  <p:timing>
+    <p:tnLst>
+      <p:par>
+        <p:cTn id="1" dur="indefinite" restart="never" nodeType="tmRoot"/>
+      </p:par>
+    </p:tnLst>
+  </p:timing>
 </p:sld>
 </file>
 
@@ -20992,64 +20965,157 @@
       </p:grpSpPr>
       <p:sp>
         <p:nvSpPr>
-          <p:cNvPr id="2" name="Title 1">
-            <a:extLst>
-              <a:ext uri="{FF2B5EF4-FFF2-40B4-BE49-F238E27FC236}">
-                <a16:creationId xmlns:a16="http://schemas.microsoft.com/office/drawing/2014/main" id="{19EDB35A-DC86-4A38-892E-54D01A102241}"/>
-              </a:ext>
-            </a:extLst>
-          </p:cNvPr>
+          <p:cNvPr id="2" name="Title 1"/>
           <p:cNvSpPr>
             <a:spLocks noGrp="1"/>
           </p:cNvSpPr>
           <p:nvPr>
-            <p:ph type="title"/>
+            <p:ph type="ctrTitle"/>
           </p:nvPr>
         </p:nvSpPr>
-        <p:spPr/>
+        <p:spPr>
+          <a:xfrm>
+            <a:off x="0" y="13648"/>
+            <a:ext cx="9144000" cy="533400"/>
+          </a:xfrm>
+        </p:spPr>
         <p:txBody>
-          <a:bodyPr/>
+          <a:bodyPr>
+            <a:normAutofit/>
+          </a:bodyPr>
           <a:lstStyle/>
           <a:p>
-            <a:endParaRPr lang="en-US"/>
+            <a:pPr algn="l"/>
+            <a:r>
+              <a:rPr lang="en-US" sz="1800" dirty="0" err="1">
+                <a:solidFill>
+                  <a:srgbClr val="FF0000"/>
+                </a:solidFill>
+                <a:latin typeface="Times New Roman" panose="02020603050405020304" pitchFamily="18" charset="0"/>
+                <a:cs typeface="Times New Roman" panose="02020603050405020304" pitchFamily="18" charset="0"/>
+              </a:rPr>
+              <a:t>Hiệp</a:t>
+            </a:r>
+            <a:r>
+              <a:rPr lang="en-US" sz="1800" dirty="0">
+                <a:solidFill>
+                  <a:srgbClr val="FF0000"/>
+                </a:solidFill>
+                <a:latin typeface="Times New Roman" panose="02020603050405020304" pitchFamily="18" charset="0"/>
+                <a:cs typeface="Times New Roman" panose="02020603050405020304" pitchFamily="18" charset="0"/>
+              </a:rPr>
+              <a:t> </a:t>
+            </a:r>
+            <a:r>
+              <a:rPr lang="en-US" sz="1800" dirty="0" err="1">
+                <a:solidFill>
+                  <a:srgbClr val="FF0000"/>
+                </a:solidFill>
+                <a:latin typeface="Times New Roman" panose="02020603050405020304" pitchFamily="18" charset="0"/>
+                <a:cs typeface="Times New Roman" panose="02020603050405020304" pitchFamily="18" charset="0"/>
+              </a:rPr>
+              <a:t>lễ</a:t>
+            </a:r>
+            <a:r>
+              <a:rPr lang="en-US" sz="1800" dirty="0">
+                <a:solidFill>
+                  <a:srgbClr val="FF0000"/>
+                </a:solidFill>
+                <a:latin typeface="Times New Roman" panose="02020603050405020304" pitchFamily="18" charset="0"/>
+                <a:cs typeface="Times New Roman" panose="02020603050405020304" pitchFamily="18" charset="0"/>
+              </a:rPr>
+              <a:t> 			    </a:t>
+            </a:r>
+            <a:r>
+              <a:rPr lang="en-US" sz="2400" b="1" dirty="0">
+                <a:solidFill>
+                  <a:srgbClr val="FF0000"/>
+                </a:solidFill>
+                <a:effectLst>
+                  <a:outerShdw blurRad="38100" dist="38100" dir="2700000" algn="tl">
+                    <a:srgbClr val="000000">
+                      <a:alpha val="43137"/>
+                    </a:srgbClr>
+                  </a:outerShdw>
+                </a:effectLst>
+                <a:latin typeface="Times New Roman" panose="02020603050405020304" pitchFamily="18" charset="0"/>
+                <a:cs typeface="Times New Roman" panose="02020603050405020304" pitchFamily="18" charset="0"/>
+              </a:rPr>
+              <a:t>TIN MỪNG PHỤC SINH 1 (TN)</a:t>
+            </a:r>
+            <a:endParaRPr lang="en-US" sz="2400" b="1" dirty="0">
+              <a:solidFill>
+                <a:srgbClr val="FF0000"/>
+              </a:solidFill>
+              <a:effectLst>
+                <a:outerShdw blurRad="38100" dist="38100" dir="2700000" algn="tl">
+                  <a:srgbClr val="000000">
+                    <a:alpha val="43137"/>
+                  </a:srgbClr>
+                </a:outerShdw>
+              </a:effectLst>
+            </a:endParaRPr>
           </a:p>
         </p:txBody>
       </p:sp>
       <p:sp>
         <p:nvSpPr>
-          <p:cNvPr id="3" name="Content Placeholder 2">
-            <a:extLst>
-              <a:ext uri="{FF2B5EF4-FFF2-40B4-BE49-F238E27FC236}">
-                <a16:creationId xmlns:a16="http://schemas.microsoft.com/office/drawing/2014/main" id="{3BD9531E-E76D-4C2A-828F-206C1AB4D0BF}"/>
-              </a:ext>
-            </a:extLst>
-          </p:cNvPr>
+          <p:cNvPr id="3" name="Subtitle 2"/>
           <p:cNvSpPr>
             <a:spLocks noGrp="1"/>
           </p:cNvSpPr>
           <p:nvPr>
-            <p:ph idx="1"/>
+            <p:ph type="subTitle" idx="1"/>
           </p:nvPr>
         </p:nvSpPr>
-        <p:spPr/>
+        <p:spPr>
+          <a:xfrm>
+            <a:off x="0" y="1432560"/>
+            <a:ext cx="9144000" cy="5105400"/>
+          </a:xfrm>
+        </p:spPr>
         <p:txBody>
-          <a:bodyPr/>
+          <a:bodyPr>
+            <a:noAutofit/>
+          </a:bodyPr>
           <a:lstStyle/>
           <a:p>
-            <a:endParaRPr lang="en-US"/>
+            <a:pPr algn="just">
+              <a:tabLst>
+                <a:tab pos="2155825" algn="l"/>
+              </a:tabLst>
+            </a:pPr>
+            <a:r>
+              <a:rPr lang="vi-VN" sz="5400" b="1" dirty="0">
+                <a:latin typeface="+mj-lt"/>
+              </a:rPr>
+              <a:t>ĐK. Đức Ki-tô đã sống lại thật rồi! Đức Ki-tô đã đánh tan tử thần. Nào hân hoan cùng ca lên Al-lê-lu-ia! </a:t>
+            </a:r>
+            <a:endParaRPr lang="en-US" sz="5400" b="1" dirty="0">
+              <a:latin typeface="+mj-lt"/>
+              <a:cs typeface="Times New Roman" panose="02020603050405020304" pitchFamily="18" charset="0"/>
+            </a:endParaRPr>
           </a:p>
         </p:txBody>
       </p:sp>
     </p:spTree>
     <p:extLst>
       <p:ext uri="{BB962C8B-B14F-4D97-AF65-F5344CB8AC3E}">
-        <p14:creationId xmlns:p14="http://schemas.microsoft.com/office/powerpoint/2010/main" val="486642165"/>
+        <p14:creationId xmlns:p14="http://schemas.microsoft.com/office/powerpoint/2010/main" val="1756572408"/>
       </p:ext>
     </p:extLst>
   </p:cSld>
   <p:clrMapOvr>
     <a:masterClrMapping/>
   </p:clrMapOvr>
+  <p:transition/>
+  <p:timing>
+    <p:tnLst>
+      <p:par>
+        <p:cTn id="1" dur="indefinite" restart="never" nodeType="tmRoot"/>
+      </p:par>
+    </p:tnLst>
+  </p:timing>
 </p:sld>
 </file>
 
@@ -21148,7 +21214,7 @@
                 <a:latin typeface="Times New Roman" panose="02020603050405020304" pitchFamily="18" charset="0"/>
                 <a:cs typeface="Times New Roman" panose="02020603050405020304" pitchFamily="18" charset="0"/>
               </a:rPr>
-              <a:t>HOAN CA PHỤC SINH (TT)</a:t>
+              <a:t>TIN MỪNG PHỤC SINH 1 (TN)</a:t>
             </a:r>
             <a:endParaRPr lang="en-US" sz="2400" b="1" dirty="0">
               <a:solidFill>
@@ -21177,8 +21243,8 @@
         </p:nvSpPr>
         <p:spPr>
           <a:xfrm>
-            <a:off x="0" y="638587"/>
-            <a:ext cx="9144000" cy="6177534"/>
+            <a:off x="0" y="1432560"/>
+            <a:ext cx="9144000" cy="5105400"/>
           </a:xfrm>
         </p:spPr>
         <p:txBody>
@@ -21196,37 +21262,7 @@
               <a:rPr lang="vi-VN" sz="5400" b="1" dirty="0">
                 <a:latin typeface="+mj-lt"/>
               </a:rPr>
-              <a:t>ĐK. Cùng hoan ca lên đi mừng Chiên Chúa đã khải hoàn vượt qua bao thương đau Ngài đã chiến thắng tử thần</a:t>
-            </a:r>
-            <a:r>
-              <a:rPr lang="en-US" sz="5400" b="1" dirty="0">
-                <a:latin typeface="+mj-lt"/>
-              </a:rPr>
-              <a:t>.</a:t>
-            </a:r>
-            <a:r>
-              <a:rPr lang="vi-VN" sz="5400" b="1" dirty="0">
-                <a:latin typeface="+mj-lt"/>
-              </a:rPr>
-              <a:t> Đàn ca vang tung hô, nào muôn dân vui lên</a:t>
-            </a:r>
-            <a:r>
-              <a:rPr lang="en-US" sz="5400" b="1" dirty="0">
-                <a:latin typeface="+mj-lt"/>
-              </a:rPr>
-              <a:t>.</a:t>
-            </a:r>
-            <a:r>
-              <a:rPr lang="vi-VN" sz="5400" b="1" dirty="0">
-                <a:latin typeface="+mj-lt"/>
-              </a:rPr>
-              <a:t> Hãy cất tiếng hát Hal - lê - lu – ia</a:t>
-            </a:r>
-            <a:r>
-              <a:rPr lang="en-US" sz="5400" b="1" dirty="0">
-                <a:latin typeface="+mj-lt"/>
-              </a:rPr>
-              <a:t>.</a:t>
+              <a:t>Đức Ki-tô là Tình Yêu vinh thắng mang cho đời sự sống mới linh thiêng. Cất cao lên câu ngợi ca Al-lê-lu-ia!</a:t>
             </a:r>
             <a:endParaRPr lang="en-US" sz="5400" b="1" dirty="0">
               <a:latin typeface="+mj-lt"/>
@@ -21238,7 +21274,7 @@
     </p:spTree>
     <p:extLst>
       <p:ext uri="{BB962C8B-B14F-4D97-AF65-F5344CB8AC3E}">
-        <p14:creationId xmlns:p14="http://schemas.microsoft.com/office/powerpoint/2010/main" val="1460666246"/>
+        <p14:creationId xmlns:p14="http://schemas.microsoft.com/office/powerpoint/2010/main" val="3556029072"/>
       </p:ext>
     </p:extLst>
   </p:cSld>
@@ -21246,6 +21282,13 @@
     <a:masterClrMapping/>
   </p:clrMapOvr>
   <p:transition/>
+  <p:timing>
+    <p:tnLst>
+      <p:par>
+        <p:cTn id="1" dur="indefinite" restart="never" nodeType="tmRoot"/>
+      </p:par>
+    </p:tnLst>
+  </p:timing>
 </p:sld>
 </file>
 
@@ -21268,150 +21311,71 @@
       </p:grpSpPr>
       <p:sp>
         <p:nvSpPr>
-          <p:cNvPr id="2" name="Title 1"/>
+          <p:cNvPr id="2" name="Title 1">
+            <a:extLst>
+              <a:ext uri="{FF2B5EF4-FFF2-40B4-BE49-F238E27FC236}">
+                <a16:creationId xmlns:a16="http://schemas.microsoft.com/office/drawing/2014/main" xmlns="" id="{19EDB35A-DC86-4A38-892E-54D01A102241}"/>
+              </a:ext>
+            </a:extLst>
+          </p:cNvPr>
           <p:cNvSpPr>
             <a:spLocks noGrp="1"/>
           </p:cNvSpPr>
           <p:nvPr>
-            <p:ph type="ctrTitle"/>
+            <p:ph type="title"/>
           </p:nvPr>
         </p:nvSpPr>
-        <p:spPr>
-          <a:xfrm>
-            <a:off x="0" y="13648"/>
-            <a:ext cx="9144000" cy="533400"/>
-          </a:xfrm>
-        </p:spPr>
+        <p:spPr/>
         <p:txBody>
-          <a:bodyPr>
-            <a:normAutofit/>
-          </a:bodyPr>
+          <a:bodyPr/>
           <a:lstStyle/>
           <a:p>
-            <a:pPr algn="l"/>
-            <a:r>
-              <a:rPr lang="en-US" sz="1800" dirty="0" err="1">
-                <a:solidFill>
-                  <a:srgbClr val="FF0000"/>
-                </a:solidFill>
-                <a:latin typeface="Times New Roman" panose="02020603050405020304" pitchFamily="18" charset="0"/>
-                <a:cs typeface="Times New Roman" panose="02020603050405020304" pitchFamily="18" charset="0"/>
-              </a:rPr>
-              <a:t>Hiệp</a:t>
-            </a:r>
-            <a:r>
-              <a:rPr lang="en-US" sz="1800" dirty="0">
-                <a:solidFill>
-                  <a:srgbClr val="FF0000"/>
-                </a:solidFill>
-                <a:latin typeface="Times New Roman" panose="02020603050405020304" pitchFamily="18" charset="0"/>
-                <a:cs typeface="Times New Roman" panose="02020603050405020304" pitchFamily="18" charset="0"/>
-              </a:rPr>
-              <a:t> </a:t>
-            </a:r>
-            <a:r>
-              <a:rPr lang="en-US" sz="1800" dirty="0" err="1">
-                <a:solidFill>
-                  <a:srgbClr val="FF0000"/>
-                </a:solidFill>
-                <a:latin typeface="Times New Roman" panose="02020603050405020304" pitchFamily="18" charset="0"/>
-                <a:cs typeface="Times New Roman" panose="02020603050405020304" pitchFamily="18" charset="0"/>
-              </a:rPr>
-              <a:t>lễ</a:t>
-            </a:r>
-            <a:r>
-              <a:rPr lang="en-US" sz="1800" dirty="0">
-                <a:solidFill>
-                  <a:srgbClr val="FF0000"/>
-                </a:solidFill>
-                <a:latin typeface="Times New Roman" panose="02020603050405020304" pitchFamily="18" charset="0"/>
-                <a:cs typeface="Times New Roman" panose="02020603050405020304" pitchFamily="18" charset="0"/>
-              </a:rPr>
-              <a:t> 			    </a:t>
-            </a:r>
-            <a:r>
-              <a:rPr lang="en-US" sz="2400" b="1" dirty="0">
-                <a:solidFill>
-                  <a:srgbClr val="FF0000"/>
-                </a:solidFill>
-                <a:effectLst>
-                  <a:outerShdw blurRad="38100" dist="38100" dir="2700000" algn="tl">
-                    <a:srgbClr val="000000">
-                      <a:alpha val="43137"/>
-                    </a:srgbClr>
-                  </a:outerShdw>
-                </a:effectLst>
-                <a:latin typeface="Times New Roman" panose="02020603050405020304" pitchFamily="18" charset="0"/>
-                <a:cs typeface="Times New Roman" panose="02020603050405020304" pitchFamily="18" charset="0"/>
-              </a:rPr>
-              <a:t>HOAN CA PHỤC SINH (TT)</a:t>
-            </a:r>
-            <a:endParaRPr lang="en-US" sz="2400" b="1" dirty="0">
-              <a:solidFill>
-                <a:srgbClr val="FF0000"/>
-              </a:solidFill>
-              <a:effectLst>
-                <a:outerShdw blurRad="38100" dist="38100" dir="2700000" algn="tl">
-                  <a:srgbClr val="000000">
-                    <a:alpha val="43137"/>
-                  </a:srgbClr>
-                </a:outerShdw>
-              </a:effectLst>
-            </a:endParaRPr>
+            <a:endParaRPr lang="en-US"/>
           </a:p>
         </p:txBody>
       </p:sp>
       <p:sp>
         <p:nvSpPr>
-          <p:cNvPr id="3" name="Subtitle 2"/>
+          <p:cNvPr id="3" name="Content Placeholder 2">
+            <a:extLst>
+              <a:ext uri="{FF2B5EF4-FFF2-40B4-BE49-F238E27FC236}">
+                <a16:creationId xmlns:a16="http://schemas.microsoft.com/office/drawing/2014/main" xmlns="" id="{3BD9531E-E76D-4C2A-828F-206C1AB4D0BF}"/>
+              </a:ext>
+            </a:extLst>
+          </p:cNvPr>
           <p:cNvSpPr>
             <a:spLocks noGrp="1"/>
           </p:cNvSpPr>
           <p:nvPr>
-            <p:ph type="subTitle" idx="1"/>
+            <p:ph idx="1"/>
           </p:nvPr>
         </p:nvSpPr>
-        <p:spPr>
-          <a:xfrm>
-            <a:off x="0" y="919384"/>
-            <a:ext cx="9144000" cy="5615940"/>
-          </a:xfrm>
-        </p:spPr>
+        <p:spPr/>
         <p:txBody>
-          <a:bodyPr>
-            <a:noAutofit/>
-          </a:bodyPr>
+          <a:bodyPr/>
           <a:lstStyle/>
           <a:p>
-            <a:pPr algn="just">
-              <a:tabLst>
-                <a:tab pos="2155825" algn="l"/>
-              </a:tabLst>
-            </a:pPr>
-            <a:r>
-              <a:rPr lang="vi-VN" sz="5400" b="1" dirty="0">
-                <a:latin typeface="+mj-lt"/>
-              </a:rPr>
-              <a:t>Mừng Vua ta hôm nay phục sinh giữa ánh quang vinh. Từ đây muôn sinh linh được thương xóa hết tội tình. Lạc trong đêm u mê trông thấy ánh sáng mới. Cứu thoát thế nhân muôn đời.</a:t>
-            </a:r>
-            <a:endParaRPr lang="en-US" sz="5400" b="1" dirty="0">
-              <a:latin typeface="+mj-lt"/>
-              <a:cs typeface="Times New Roman" panose="02020603050405020304" pitchFamily="18" charset="0"/>
-            </a:endParaRPr>
+            <a:endParaRPr lang="en-US"/>
           </a:p>
         </p:txBody>
       </p:sp>
     </p:spTree>
     <p:extLst>
       <p:ext uri="{BB962C8B-B14F-4D97-AF65-F5344CB8AC3E}">
-        <p14:creationId xmlns:p14="http://schemas.microsoft.com/office/powerpoint/2010/main" val="1390604461"/>
+        <p14:creationId xmlns:p14="http://schemas.microsoft.com/office/powerpoint/2010/main" val="486642165"/>
       </p:ext>
     </p:extLst>
   </p:cSld>
   <p:clrMapOvr>
     <a:masterClrMapping/>
   </p:clrMapOvr>
-  <p:transition/>
+  <p:timing>
+    <p:tnLst>
+      <p:par>
+        <p:cTn id="1" dur="indefinite" restart="never" nodeType="tmRoot"/>
+      </p:par>
+    </p:tnLst>
+  </p:timing>
 </p:sld>
 </file>
 
@@ -21437,7 +21401,7 @@
           <p:cNvPr id="2" name="Title 1">
             <a:extLst>
               <a:ext uri="{FF2B5EF4-FFF2-40B4-BE49-F238E27FC236}">
-                <a16:creationId xmlns:a16="http://schemas.microsoft.com/office/drawing/2014/main" id="{E15707EB-D7C8-4315-861E-0C0D881BA228}"/>
+                <a16:creationId xmlns:a16="http://schemas.microsoft.com/office/drawing/2014/main" xmlns="" id="{E15707EB-D7C8-4315-861E-0C0D881BA228}"/>
               </a:ext>
             </a:extLst>
           </p:cNvPr>
@@ -21462,7 +21426,7 @@
           <p:cNvPr id="3" name="Content Placeholder 2">
             <a:extLst>
               <a:ext uri="{FF2B5EF4-FFF2-40B4-BE49-F238E27FC236}">
-                <a16:creationId xmlns:a16="http://schemas.microsoft.com/office/drawing/2014/main" id="{580A1A79-EAAF-4BC4-8937-5CA2ACF0C6C3}"/>
+                <a16:creationId xmlns:a16="http://schemas.microsoft.com/office/drawing/2014/main" xmlns="" id="{580A1A79-EAAF-4BC4-8937-5CA2ACF0C6C3}"/>
               </a:ext>
             </a:extLst>
           </p:cNvPr>
@@ -21492,6 +21456,13 @@
   <p:clrMapOvr>
     <a:masterClrMapping/>
   </p:clrMapOvr>
+  <p:timing>
+    <p:tnLst>
+      <p:par>
+        <p:cTn id="1" dur="indefinite" restart="never" nodeType="tmRoot"/>
+      </p:par>
+    </p:tnLst>
+  </p:timing>
 </p:sld>
 </file>
 
@@ -21619,8 +21590,8 @@
         </p:nvSpPr>
         <p:spPr>
           <a:xfrm>
-            <a:off x="0" y="1406718"/>
-            <a:ext cx="9144000" cy="4641273"/>
+            <a:off x="0" y="638587"/>
+            <a:ext cx="9144000" cy="6177534"/>
           </a:xfrm>
         </p:spPr>
         <p:txBody>
@@ -21638,7 +21609,37 @@
               <a:rPr lang="vi-VN" sz="5400" b="1" dirty="0">
                 <a:latin typeface="+mj-lt"/>
               </a:rPr>
-              <a:t>1. Vui lên hát lên hòa mừng cùng đất trời! Chúa đã giải thoát cõi đời, đem ơn tái sinh ngập tràn lòng muôn người: Là nguồn sống mới người ơi.</a:t>
+              <a:t>ĐK. Cùng hoan ca lên đi mừng Chiên Chúa đã khải hoàn vượt qua bao thương đau Ngài đã chiến thắng tử thần</a:t>
+            </a:r>
+            <a:r>
+              <a:rPr lang="en-US" sz="5400" b="1" dirty="0">
+                <a:latin typeface="+mj-lt"/>
+              </a:rPr>
+              <a:t>.</a:t>
+            </a:r>
+            <a:r>
+              <a:rPr lang="vi-VN" sz="5400" b="1" dirty="0">
+                <a:latin typeface="+mj-lt"/>
+              </a:rPr>
+              <a:t> Đàn ca vang tung hô, nào muôn dân vui lên</a:t>
+            </a:r>
+            <a:r>
+              <a:rPr lang="en-US" sz="5400" b="1" dirty="0">
+                <a:latin typeface="+mj-lt"/>
+              </a:rPr>
+              <a:t>.</a:t>
+            </a:r>
+            <a:r>
+              <a:rPr lang="vi-VN" sz="5400" b="1" dirty="0">
+                <a:latin typeface="+mj-lt"/>
+              </a:rPr>
+              <a:t> Hãy cất tiếng hát Hal - lê - lu – ia</a:t>
+            </a:r>
+            <a:r>
+              <a:rPr lang="en-US" sz="5400" b="1" dirty="0">
+                <a:latin typeface="+mj-lt"/>
+              </a:rPr>
+              <a:t>.</a:t>
             </a:r>
             <a:endParaRPr lang="en-US" sz="5400" b="1" dirty="0">
               <a:latin typeface="+mj-lt"/>
@@ -21650,7 +21651,7 @@
     </p:spTree>
     <p:extLst>
       <p:ext uri="{BB962C8B-B14F-4D97-AF65-F5344CB8AC3E}">
-        <p14:creationId xmlns:p14="http://schemas.microsoft.com/office/powerpoint/2010/main" val="2606526742"/>
+        <p14:creationId xmlns:p14="http://schemas.microsoft.com/office/powerpoint/2010/main" val="1460666246"/>
       </p:ext>
     </p:extLst>
   </p:cSld>
@@ -21658,6 +21659,13 @@
     <a:masterClrMapping/>
   </p:clrMapOvr>
   <p:transition/>
+  <p:timing>
+    <p:tnLst>
+      <p:par>
+        <p:cTn id="1" dur="indefinite" restart="never" nodeType="tmRoot"/>
+      </p:par>
+    </p:tnLst>
+  </p:timing>
 </p:sld>
 </file>
 
@@ -21785,8 +21793,8 @@
         </p:nvSpPr>
         <p:spPr>
           <a:xfrm>
-            <a:off x="0" y="638587"/>
-            <a:ext cx="9144000" cy="6177534"/>
+            <a:off x="0" y="919384"/>
+            <a:ext cx="9144000" cy="5615940"/>
           </a:xfrm>
         </p:spPr>
         <p:txBody>
@@ -21804,37 +21812,7 @@
               <a:rPr lang="vi-VN" sz="5400" b="1" dirty="0">
                 <a:latin typeface="+mj-lt"/>
               </a:rPr>
-              <a:t>ĐK. Cùng hoan ca lên đi mừng Chiên Chúa đã khải hoàn vượt qua bao thương đau Ngài đã chiến thắng tử thần</a:t>
-            </a:r>
-            <a:r>
-              <a:rPr lang="en-US" sz="5400" b="1" dirty="0">
-                <a:latin typeface="+mj-lt"/>
-              </a:rPr>
-              <a:t>.</a:t>
-            </a:r>
-            <a:r>
-              <a:rPr lang="vi-VN" sz="5400" b="1" dirty="0">
-                <a:latin typeface="+mj-lt"/>
-              </a:rPr>
-              <a:t> Đàn ca vang tung hô, nào muôn dân vui lên</a:t>
-            </a:r>
-            <a:r>
-              <a:rPr lang="en-US" sz="5400" b="1" dirty="0">
-                <a:latin typeface="+mj-lt"/>
-              </a:rPr>
-              <a:t>.</a:t>
-            </a:r>
-            <a:r>
-              <a:rPr lang="vi-VN" sz="5400" b="1" dirty="0">
-                <a:latin typeface="+mj-lt"/>
-              </a:rPr>
-              <a:t> Hãy cất tiếng hát Hal - lê - lu – ia</a:t>
-            </a:r>
-            <a:r>
-              <a:rPr lang="en-US" sz="5400" b="1" dirty="0">
-                <a:latin typeface="+mj-lt"/>
-              </a:rPr>
-              <a:t>.</a:t>
+              <a:t>Mừng Vua ta hôm nay phục sinh giữa ánh quang vinh. Từ đây muôn sinh linh được thương xóa hết tội tình. Lạc trong đêm u mê trông thấy ánh sáng mới. Cứu thoát thế nhân muôn đời.</a:t>
             </a:r>
             <a:endParaRPr lang="en-US" sz="5400" b="1" dirty="0">
               <a:latin typeface="+mj-lt"/>
@@ -21846,7 +21824,7 @@
     </p:spTree>
     <p:extLst>
       <p:ext uri="{BB962C8B-B14F-4D97-AF65-F5344CB8AC3E}">
-        <p14:creationId xmlns:p14="http://schemas.microsoft.com/office/powerpoint/2010/main" val="135059181"/>
+        <p14:creationId xmlns:p14="http://schemas.microsoft.com/office/powerpoint/2010/main" val="1390604461"/>
       </p:ext>
     </p:extLst>
   </p:cSld>
@@ -21854,6 +21832,13 @@
     <a:masterClrMapping/>
   </p:clrMapOvr>
   <p:transition/>
+  <p:timing>
+    <p:tnLst>
+      <p:par>
+        <p:cTn id="1" dur="indefinite" restart="never" nodeType="tmRoot"/>
+      </p:par>
+    </p:tnLst>
+  </p:timing>
 </p:sld>
 </file>
 
@@ -21981,8 +21966,8 @@
         </p:nvSpPr>
         <p:spPr>
           <a:xfrm>
-            <a:off x="0" y="919384"/>
-            <a:ext cx="9144000" cy="5615940"/>
+            <a:off x="0" y="1406718"/>
+            <a:ext cx="9144000" cy="4641273"/>
           </a:xfrm>
         </p:spPr>
         <p:txBody>
@@ -22000,7 +21985,7 @@
               <a:rPr lang="vi-VN" sz="5400" b="1" dirty="0">
                 <a:latin typeface="+mj-lt"/>
               </a:rPr>
-              <a:t>Mừng Vua ta hôm nay phục sinh giữa ánh quang vinh. Từ đây muôn sinh linh được thương xóa hết tội tình. Lạc trong đêm u mê trông thấy ánh sáng mới. Cứu thoát thế nhân muôn đời.</a:t>
+              <a:t>1. Vui lên hát lên hòa mừng cùng đất trời! Chúa đã giải thoát cõi đời, đem ơn tái sinh ngập tràn lòng muôn người: Là nguồn sống mới người ơi.</a:t>
             </a:r>
             <a:endParaRPr lang="en-US" sz="5400" b="1" dirty="0">
               <a:latin typeface="+mj-lt"/>
@@ -22012,7 +21997,7 @@
     </p:spTree>
     <p:extLst>
       <p:ext uri="{BB962C8B-B14F-4D97-AF65-F5344CB8AC3E}">
-        <p14:creationId xmlns:p14="http://schemas.microsoft.com/office/powerpoint/2010/main" val="906981245"/>
+        <p14:creationId xmlns:p14="http://schemas.microsoft.com/office/powerpoint/2010/main" val="2606526742"/>
       </p:ext>
     </p:extLst>
   </p:cSld>
@@ -22020,6 +22005,13 @@
     <a:masterClrMapping/>
   </p:clrMapOvr>
   <p:transition/>
+  <p:timing>
+    <p:tnLst>
+      <p:par>
+        <p:cTn id="1" dur="indefinite" restart="never" nodeType="tmRoot"/>
+      </p:par>
+    </p:tnLst>
+  </p:timing>
 </p:sld>
 </file>
 
@@ -22147,8 +22139,8 @@
         </p:nvSpPr>
         <p:spPr>
           <a:xfrm>
-            <a:off x="0" y="1406718"/>
-            <a:ext cx="9144000" cy="4641273"/>
+            <a:off x="0" y="638587"/>
+            <a:ext cx="9144000" cy="6177534"/>
           </a:xfrm>
         </p:spPr>
         <p:txBody>
@@ -22166,7 +22158,37 @@
               <a:rPr lang="vi-VN" sz="5400" b="1" dirty="0">
                 <a:latin typeface="+mj-lt"/>
               </a:rPr>
-              <a:t>2. Như viên đá kia bị thợ nề không màng đã trở thành đá góc tường, Ki - tô Chúa ta nhận chịu mọi khổ hình, giờ hiển thắng với quyền uy.</a:t>
+              <a:t>ĐK. Cùng hoan ca lên đi mừng Chiên Chúa đã khải hoàn vượt qua bao thương đau Ngài đã chiến thắng tử thần</a:t>
+            </a:r>
+            <a:r>
+              <a:rPr lang="en-US" sz="5400" b="1" dirty="0">
+                <a:latin typeface="+mj-lt"/>
+              </a:rPr>
+              <a:t>.</a:t>
+            </a:r>
+            <a:r>
+              <a:rPr lang="vi-VN" sz="5400" b="1" dirty="0">
+                <a:latin typeface="+mj-lt"/>
+              </a:rPr>
+              <a:t> Đàn ca vang tung hô, nào muôn dân vui lên</a:t>
+            </a:r>
+            <a:r>
+              <a:rPr lang="en-US" sz="5400" b="1" dirty="0">
+                <a:latin typeface="+mj-lt"/>
+              </a:rPr>
+              <a:t>.</a:t>
+            </a:r>
+            <a:r>
+              <a:rPr lang="vi-VN" sz="5400" b="1" dirty="0">
+                <a:latin typeface="+mj-lt"/>
+              </a:rPr>
+              <a:t> Hãy cất tiếng hát Hal - lê - lu – ia</a:t>
+            </a:r>
+            <a:r>
+              <a:rPr lang="en-US" sz="5400" b="1" dirty="0">
+                <a:latin typeface="+mj-lt"/>
+              </a:rPr>
+              <a:t>.</a:t>
             </a:r>
             <a:endParaRPr lang="en-US" sz="5400" b="1" dirty="0">
               <a:latin typeface="+mj-lt"/>
@@ -22178,7 +22200,7 @@
     </p:spTree>
     <p:extLst>
       <p:ext uri="{BB962C8B-B14F-4D97-AF65-F5344CB8AC3E}">
-        <p14:creationId xmlns:p14="http://schemas.microsoft.com/office/powerpoint/2010/main" val="860368939"/>
+        <p14:creationId xmlns:p14="http://schemas.microsoft.com/office/powerpoint/2010/main" val="135059181"/>
       </p:ext>
     </p:extLst>
   </p:cSld>
@@ -22186,6 +22208,13 @@
     <a:masterClrMapping/>
   </p:clrMapOvr>
   <p:transition/>
+  <p:timing>
+    <p:tnLst>
+      <p:par>
+        <p:cTn id="1" dur="indefinite" restart="never" nodeType="tmRoot"/>
+      </p:par>
+    </p:tnLst>
+  </p:timing>
 </p:sld>
 </file>
 
@@ -22313,8 +22342,8 @@
         </p:nvSpPr>
         <p:spPr>
           <a:xfrm>
-            <a:off x="0" y="638587"/>
-            <a:ext cx="9144000" cy="6177534"/>
+            <a:off x="0" y="919384"/>
+            <a:ext cx="9144000" cy="5615940"/>
           </a:xfrm>
         </p:spPr>
         <p:txBody>
@@ -22332,37 +22361,7 @@
               <a:rPr lang="vi-VN" sz="5400" b="1" dirty="0">
                 <a:latin typeface="+mj-lt"/>
               </a:rPr>
-              <a:t>ĐK. Cùng hoan ca lên đi mừng Chiên Chúa đã khải hoàn vượt qua bao thương đau Ngài đã chiến thắng tử thần</a:t>
-            </a:r>
-            <a:r>
-              <a:rPr lang="en-US" sz="5400" b="1" dirty="0">
-                <a:latin typeface="+mj-lt"/>
-              </a:rPr>
-              <a:t>.</a:t>
-            </a:r>
-            <a:r>
-              <a:rPr lang="vi-VN" sz="5400" b="1" dirty="0">
-                <a:latin typeface="+mj-lt"/>
-              </a:rPr>
-              <a:t> Đàn ca vang tung hô, nào muôn dân vui lên</a:t>
-            </a:r>
-            <a:r>
-              <a:rPr lang="en-US" sz="5400" b="1" dirty="0">
-                <a:latin typeface="+mj-lt"/>
-              </a:rPr>
-              <a:t>.</a:t>
-            </a:r>
-            <a:r>
-              <a:rPr lang="vi-VN" sz="5400" b="1" dirty="0">
-                <a:latin typeface="+mj-lt"/>
-              </a:rPr>
-              <a:t> Hãy cất tiếng hát Hal - lê - lu – ia</a:t>
-            </a:r>
-            <a:r>
-              <a:rPr lang="en-US" sz="5400" b="1" dirty="0">
-                <a:latin typeface="+mj-lt"/>
-              </a:rPr>
-              <a:t>.</a:t>
+              <a:t>Mừng Vua ta hôm nay phục sinh giữa ánh quang vinh. Từ đây muôn sinh linh được thương xóa hết tội tình. Lạc trong đêm u mê trông thấy ánh sáng mới. Cứu thoát thế nhân muôn đời.</a:t>
             </a:r>
             <a:endParaRPr lang="en-US" sz="5400" b="1" dirty="0">
               <a:latin typeface="+mj-lt"/>
@@ -22374,7 +22373,7 @@
     </p:spTree>
     <p:extLst>
       <p:ext uri="{BB962C8B-B14F-4D97-AF65-F5344CB8AC3E}">
-        <p14:creationId xmlns:p14="http://schemas.microsoft.com/office/powerpoint/2010/main" val="2467358837"/>
+        <p14:creationId xmlns:p14="http://schemas.microsoft.com/office/powerpoint/2010/main" val="906981245"/>
       </p:ext>
     </p:extLst>
   </p:cSld>
@@ -22382,6 +22381,13 @@
     <a:masterClrMapping/>
   </p:clrMapOvr>
   <p:transition/>
+  <p:timing>
+    <p:tnLst>
+      <p:par>
+        <p:cTn id="1" dur="indefinite" restart="never" nodeType="tmRoot"/>
+      </p:par>
+    </p:tnLst>
+  </p:timing>
 </p:sld>
 </file>
 
@@ -22509,8 +22515,8 @@
         </p:nvSpPr>
         <p:spPr>
           <a:xfrm>
-            <a:off x="0" y="919384"/>
-            <a:ext cx="9144000" cy="5615940"/>
+            <a:off x="0" y="1406718"/>
+            <a:ext cx="9144000" cy="4641273"/>
           </a:xfrm>
         </p:spPr>
         <p:txBody>
@@ -22528,7 +22534,7 @@
               <a:rPr lang="vi-VN" sz="5400" b="1" dirty="0">
                 <a:latin typeface="+mj-lt"/>
               </a:rPr>
-              <a:t>Mừng Vua ta hôm nay phục sinh giữa ánh quang vinh. Từ đây muôn sinh linh được thương xóa hết tội tình. Lạc trong đêm u mê trông thấy ánh sáng mới. Cứu thoát thế nhân muôn đời.</a:t>
+              <a:t>2. Như viên đá kia bị thợ nề không màng đã trở thành đá góc tường, Ki - tô Chúa ta nhận chịu mọi khổ hình, giờ hiển thắng với quyền uy.</a:t>
             </a:r>
             <a:endParaRPr lang="en-US" sz="5400" b="1" dirty="0">
               <a:latin typeface="+mj-lt"/>
@@ -22540,7 +22546,7 @@
     </p:spTree>
     <p:extLst>
       <p:ext uri="{BB962C8B-B14F-4D97-AF65-F5344CB8AC3E}">
-        <p14:creationId xmlns:p14="http://schemas.microsoft.com/office/powerpoint/2010/main" val="3082547133"/>
+        <p14:creationId xmlns:p14="http://schemas.microsoft.com/office/powerpoint/2010/main" val="860368939"/>
       </p:ext>
     </p:extLst>
   </p:cSld>
@@ -22548,6 +22554,13 @@
     <a:masterClrMapping/>
   </p:clrMapOvr>
   <p:transition/>
+  <p:timing>
+    <p:tnLst>
+      <p:par>
+        <p:cTn id="1" dur="indefinite" restart="never" nodeType="tmRoot"/>
+      </p:par>
+    </p:tnLst>
+  </p:timing>
 </p:sld>
 </file>
 
@@ -22675,8 +22688,8 @@
         </p:nvSpPr>
         <p:spPr>
           <a:xfrm>
-            <a:off x="0" y="1406718"/>
-            <a:ext cx="9144000" cy="4641273"/>
+            <a:off x="0" y="638587"/>
+            <a:ext cx="9144000" cy="6177534"/>
           </a:xfrm>
         </p:spPr>
         <p:txBody>
@@ -22694,7 +22707,37 @@
               <a:rPr lang="vi-VN" sz="5400" b="1" dirty="0">
                 <a:latin typeface="+mj-lt"/>
               </a:rPr>
-              <a:t>3. Đang khi lính canh còn bàng hoàng sững sờ, Ngài thật sự sống lại rồi. Như xưa Chúa loan truyền: "Chẳng đầy ba ngày, Thầy sẽ chiến thắng hiển vinh".</a:t>
+              <a:t>ĐK. Cùng hoan ca lên đi mừng Chiên Chúa đã khải hoàn vượt qua bao thương đau Ngài đã chiến thắng tử thần</a:t>
+            </a:r>
+            <a:r>
+              <a:rPr lang="en-US" sz="5400" b="1" dirty="0">
+                <a:latin typeface="+mj-lt"/>
+              </a:rPr>
+              <a:t>.</a:t>
+            </a:r>
+            <a:r>
+              <a:rPr lang="vi-VN" sz="5400" b="1" dirty="0">
+                <a:latin typeface="+mj-lt"/>
+              </a:rPr>
+              <a:t> Đàn ca vang tung hô, nào muôn dân vui lên</a:t>
+            </a:r>
+            <a:r>
+              <a:rPr lang="en-US" sz="5400" b="1" dirty="0">
+                <a:latin typeface="+mj-lt"/>
+              </a:rPr>
+              <a:t>.</a:t>
+            </a:r>
+            <a:r>
+              <a:rPr lang="vi-VN" sz="5400" b="1" dirty="0">
+                <a:latin typeface="+mj-lt"/>
+              </a:rPr>
+              <a:t> Hãy cất tiếng hát Hal - lê - lu – ia</a:t>
+            </a:r>
+            <a:r>
+              <a:rPr lang="en-US" sz="5400" b="1" dirty="0">
+                <a:latin typeface="+mj-lt"/>
+              </a:rPr>
+              <a:t>.</a:t>
             </a:r>
             <a:endParaRPr lang="en-US" sz="5400" b="1" dirty="0">
               <a:latin typeface="+mj-lt"/>
@@ -22706,7 +22749,7 @@
     </p:spTree>
     <p:extLst>
       <p:ext uri="{BB962C8B-B14F-4D97-AF65-F5344CB8AC3E}">
-        <p14:creationId xmlns:p14="http://schemas.microsoft.com/office/powerpoint/2010/main" val="2459816807"/>
+        <p14:creationId xmlns:p14="http://schemas.microsoft.com/office/powerpoint/2010/main" val="2467358837"/>
       </p:ext>
     </p:extLst>
   </p:cSld>
@@ -22714,6 +22757,13 @@
     <a:masterClrMapping/>
   </p:clrMapOvr>
   <p:transition/>
+  <p:timing>
+    <p:tnLst>
+      <p:par>
+        <p:cTn id="1" dur="indefinite" restart="never" nodeType="tmRoot"/>
+      </p:par>
+    </p:tnLst>
+  </p:timing>
 </p:sld>
 </file>
 
@@ -22841,8 +22891,8 @@
         </p:nvSpPr>
         <p:spPr>
           <a:xfrm>
-            <a:off x="0" y="638587"/>
-            <a:ext cx="9144000" cy="6177534"/>
+            <a:off x="0" y="919384"/>
+            <a:ext cx="9144000" cy="5615940"/>
           </a:xfrm>
         </p:spPr>
         <p:txBody>
@@ -22860,37 +22910,7 @@
               <a:rPr lang="vi-VN" sz="5400" b="1" dirty="0">
                 <a:latin typeface="+mj-lt"/>
               </a:rPr>
-              <a:t>ĐK. Cùng hoan ca lên đi mừng Chiên Chúa đã khải hoàn vượt qua bao thương đau Ngài đã chiến thắng tử thần</a:t>
-            </a:r>
-            <a:r>
-              <a:rPr lang="en-US" sz="5400" b="1" dirty="0">
-                <a:latin typeface="+mj-lt"/>
-              </a:rPr>
-              <a:t>.</a:t>
-            </a:r>
-            <a:r>
-              <a:rPr lang="vi-VN" sz="5400" b="1" dirty="0">
-                <a:latin typeface="+mj-lt"/>
-              </a:rPr>
-              <a:t> Đàn ca vang tung hô, nào muôn dân vui lên</a:t>
-            </a:r>
-            <a:r>
-              <a:rPr lang="en-US" sz="5400" b="1" dirty="0">
-                <a:latin typeface="+mj-lt"/>
-              </a:rPr>
-              <a:t>.</a:t>
-            </a:r>
-            <a:r>
-              <a:rPr lang="vi-VN" sz="5400" b="1" dirty="0">
-                <a:latin typeface="+mj-lt"/>
-              </a:rPr>
-              <a:t> Hãy cất tiếng hát Hal - lê - lu – ia</a:t>
-            </a:r>
-            <a:r>
-              <a:rPr lang="en-US" sz="5400" b="1" dirty="0">
-                <a:latin typeface="+mj-lt"/>
-              </a:rPr>
-              <a:t>.</a:t>
+              <a:t>Mừng Vua ta hôm nay phục sinh giữa ánh quang vinh. Từ đây muôn sinh linh được thương xóa hết tội tình. Lạc trong đêm u mê trông thấy ánh sáng mới. Cứu thoát thế nhân muôn đời.</a:t>
             </a:r>
             <a:endParaRPr lang="en-US" sz="5400" b="1" dirty="0">
               <a:latin typeface="+mj-lt"/>
@@ -22902,7 +22922,7 @@
     </p:spTree>
     <p:extLst>
       <p:ext uri="{BB962C8B-B14F-4D97-AF65-F5344CB8AC3E}">
-        <p14:creationId xmlns:p14="http://schemas.microsoft.com/office/powerpoint/2010/main" val="425384473"/>
+        <p14:creationId xmlns:p14="http://schemas.microsoft.com/office/powerpoint/2010/main" val="3082547133"/>
       </p:ext>
     </p:extLst>
   </p:cSld>
@@ -22910,6 +22930,13 @@
     <a:masterClrMapping/>
   </p:clrMapOvr>
   <p:transition/>
+  <p:timing>
+    <p:tnLst>
+      <p:par>
+        <p:cTn id="1" dur="indefinite" restart="never" nodeType="tmRoot"/>
+      </p:par>
+    </p:tnLst>
+  </p:timing>
 </p:sld>
 </file>
 
@@ -23037,8 +23064,8 @@
         </p:nvSpPr>
         <p:spPr>
           <a:xfrm>
-            <a:off x="0" y="919384"/>
-            <a:ext cx="9144000" cy="5615940"/>
+            <a:off x="0" y="1406718"/>
+            <a:ext cx="9144000" cy="4641273"/>
           </a:xfrm>
         </p:spPr>
         <p:txBody>
@@ -23056,7 +23083,7 @@
               <a:rPr lang="vi-VN" sz="5400" b="1" dirty="0">
                 <a:latin typeface="+mj-lt"/>
               </a:rPr>
-              <a:t>Mừng Vua ta hôm nay phục sinh giữa ánh quang vinh. Từ đây muôn sinh linh được thương xóa hết tội tình. Lạc trong đêm u mê trông thấy ánh sáng mới. Cứu thoát thế nhân muôn đời.</a:t>
+              <a:t>3. Đang khi lính canh còn bàng hoàng sững sờ, Ngài thật sự sống lại rồi. Như xưa Chúa loan truyền: "Chẳng đầy ba ngày, Thầy sẽ chiến thắng hiển vinh".</a:t>
             </a:r>
             <a:endParaRPr lang="en-US" sz="5400" b="1" dirty="0">
               <a:latin typeface="+mj-lt"/>
@@ -23068,7 +23095,7 @@
     </p:spTree>
     <p:extLst>
       <p:ext uri="{BB962C8B-B14F-4D97-AF65-F5344CB8AC3E}">
-        <p14:creationId xmlns:p14="http://schemas.microsoft.com/office/powerpoint/2010/main" val="839496936"/>
+        <p14:creationId xmlns:p14="http://schemas.microsoft.com/office/powerpoint/2010/main" val="2459816807"/>
       </p:ext>
     </p:extLst>
   </p:cSld>
@@ -23076,6 +23103,13 @@
     <a:masterClrMapping/>
   </p:clrMapOvr>
   <p:transition/>
+  <p:timing>
+    <p:tnLst>
+      <p:par>
+        <p:cTn id="1" dur="indefinite" restart="never" nodeType="tmRoot"/>
+      </p:par>
+    </p:tnLst>
+  </p:timing>
 </p:sld>
 </file>
 
@@ -23098,64 +23132,187 @@
       </p:grpSpPr>
       <p:sp>
         <p:nvSpPr>
-          <p:cNvPr id="2" name="Title 1">
-            <a:extLst>
-              <a:ext uri="{FF2B5EF4-FFF2-40B4-BE49-F238E27FC236}">
-                <a16:creationId xmlns:a16="http://schemas.microsoft.com/office/drawing/2014/main" id="{0D4B6E95-FDC7-49FA-AC21-D231AAA40193}"/>
-              </a:ext>
-            </a:extLst>
-          </p:cNvPr>
+          <p:cNvPr id="2" name="Title 1"/>
           <p:cNvSpPr>
             <a:spLocks noGrp="1"/>
           </p:cNvSpPr>
           <p:nvPr>
-            <p:ph type="title"/>
+            <p:ph type="ctrTitle"/>
           </p:nvPr>
         </p:nvSpPr>
-        <p:spPr/>
+        <p:spPr>
+          <a:xfrm>
+            <a:off x="0" y="13648"/>
+            <a:ext cx="9144000" cy="533400"/>
+          </a:xfrm>
+        </p:spPr>
         <p:txBody>
-          <a:bodyPr/>
+          <a:bodyPr>
+            <a:normAutofit/>
+          </a:bodyPr>
           <a:lstStyle/>
           <a:p>
-            <a:endParaRPr lang="en-US"/>
+            <a:pPr algn="l"/>
+            <a:r>
+              <a:rPr lang="en-US" sz="1800" dirty="0" err="1">
+                <a:solidFill>
+                  <a:srgbClr val="FF0000"/>
+                </a:solidFill>
+                <a:latin typeface="Times New Roman" panose="02020603050405020304" pitchFamily="18" charset="0"/>
+                <a:cs typeface="Times New Roman" panose="02020603050405020304" pitchFamily="18" charset="0"/>
+              </a:rPr>
+              <a:t>Hiệp</a:t>
+            </a:r>
+            <a:r>
+              <a:rPr lang="en-US" sz="1800" dirty="0">
+                <a:solidFill>
+                  <a:srgbClr val="FF0000"/>
+                </a:solidFill>
+                <a:latin typeface="Times New Roman" panose="02020603050405020304" pitchFamily="18" charset="0"/>
+                <a:cs typeface="Times New Roman" panose="02020603050405020304" pitchFamily="18" charset="0"/>
+              </a:rPr>
+              <a:t> </a:t>
+            </a:r>
+            <a:r>
+              <a:rPr lang="en-US" sz="1800" dirty="0" err="1">
+                <a:solidFill>
+                  <a:srgbClr val="FF0000"/>
+                </a:solidFill>
+                <a:latin typeface="Times New Roman" panose="02020603050405020304" pitchFamily="18" charset="0"/>
+                <a:cs typeface="Times New Roman" panose="02020603050405020304" pitchFamily="18" charset="0"/>
+              </a:rPr>
+              <a:t>lễ</a:t>
+            </a:r>
+            <a:r>
+              <a:rPr lang="en-US" sz="1800" dirty="0">
+                <a:solidFill>
+                  <a:srgbClr val="FF0000"/>
+                </a:solidFill>
+                <a:latin typeface="Times New Roman" panose="02020603050405020304" pitchFamily="18" charset="0"/>
+                <a:cs typeface="Times New Roman" panose="02020603050405020304" pitchFamily="18" charset="0"/>
+              </a:rPr>
+              <a:t> 			    </a:t>
+            </a:r>
+            <a:r>
+              <a:rPr lang="en-US" sz="2400" b="1" dirty="0">
+                <a:solidFill>
+                  <a:srgbClr val="FF0000"/>
+                </a:solidFill>
+                <a:effectLst>
+                  <a:outerShdw blurRad="38100" dist="38100" dir="2700000" algn="tl">
+                    <a:srgbClr val="000000">
+                      <a:alpha val="43137"/>
+                    </a:srgbClr>
+                  </a:outerShdw>
+                </a:effectLst>
+                <a:latin typeface="Times New Roman" panose="02020603050405020304" pitchFamily="18" charset="0"/>
+                <a:cs typeface="Times New Roman" panose="02020603050405020304" pitchFamily="18" charset="0"/>
+              </a:rPr>
+              <a:t>HOAN CA PHỤC SINH (TT)</a:t>
+            </a:r>
+            <a:endParaRPr lang="en-US" sz="2400" b="1" dirty="0">
+              <a:solidFill>
+                <a:srgbClr val="FF0000"/>
+              </a:solidFill>
+              <a:effectLst>
+                <a:outerShdw blurRad="38100" dist="38100" dir="2700000" algn="tl">
+                  <a:srgbClr val="000000">
+                    <a:alpha val="43137"/>
+                  </a:srgbClr>
+                </a:outerShdw>
+              </a:effectLst>
+            </a:endParaRPr>
           </a:p>
         </p:txBody>
       </p:sp>
       <p:sp>
         <p:nvSpPr>
-          <p:cNvPr id="3" name="Content Placeholder 2">
-            <a:extLst>
-              <a:ext uri="{FF2B5EF4-FFF2-40B4-BE49-F238E27FC236}">
-                <a16:creationId xmlns:a16="http://schemas.microsoft.com/office/drawing/2014/main" id="{3FE8875B-E341-4FD0-897C-655A62162BA9}"/>
-              </a:ext>
-            </a:extLst>
-          </p:cNvPr>
+          <p:cNvPr id="3" name="Subtitle 2"/>
           <p:cNvSpPr>
             <a:spLocks noGrp="1"/>
           </p:cNvSpPr>
           <p:nvPr>
-            <p:ph idx="1"/>
+            <p:ph type="subTitle" idx="1"/>
           </p:nvPr>
         </p:nvSpPr>
-        <p:spPr/>
+        <p:spPr>
+          <a:xfrm>
+            <a:off x="0" y="638587"/>
+            <a:ext cx="9144000" cy="6177534"/>
+          </a:xfrm>
+        </p:spPr>
         <p:txBody>
-          <a:bodyPr/>
+          <a:bodyPr>
+            <a:noAutofit/>
+          </a:bodyPr>
           <a:lstStyle/>
           <a:p>
-            <a:endParaRPr lang="en-US"/>
+            <a:pPr algn="just">
+              <a:tabLst>
+                <a:tab pos="2155825" algn="l"/>
+              </a:tabLst>
+            </a:pPr>
+            <a:r>
+              <a:rPr lang="vi-VN" sz="5400" b="1" dirty="0">
+                <a:latin typeface="+mj-lt"/>
+              </a:rPr>
+              <a:t>ĐK. Cùng hoan ca lên đi mừng Chiên Chúa đã khải hoàn vượt qua bao thương đau Ngài đã chiến thắng tử thần</a:t>
+            </a:r>
+            <a:r>
+              <a:rPr lang="en-US" sz="5400" b="1" dirty="0">
+                <a:latin typeface="+mj-lt"/>
+              </a:rPr>
+              <a:t>.</a:t>
+            </a:r>
+            <a:r>
+              <a:rPr lang="vi-VN" sz="5400" b="1" dirty="0">
+                <a:latin typeface="+mj-lt"/>
+              </a:rPr>
+              <a:t> Đàn ca vang tung hô, nào muôn dân vui lên</a:t>
+            </a:r>
+            <a:r>
+              <a:rPr lang="en-US" sz="5400" b="1" dirty="0">
+                <a:latin typeface="+mj-lt"/>
+              </a:rPr>
+              <a:t>.</a:t>
+            </a:r>
+            <a:r>
+              <a:rPr lang="vi-VN" sz="5400" b="1" dirty="0">
+                <a:latin typeface="+mj-lt"/>
+              </a:rPr>
+              <a:t> Hãy cất tiếng hát Hal - lê - lu – ia</a:t>
+            </a:r>
+            <a:r>
+              <a:rPr lang="en-US" sz="5400" b="1" dirty="0">
+                <a:latin typeface="+mj-lt"/>
+              </a:rPr>
+              <a:t>.</a:t>
+            </a:r>
+            <a:endParaRPr lang="en-US" sz="5400" b="1" dirty="0">
+              <a:latin typeface="+mj-lt"/>
+              <a:cs typeface="Times New Roman" panose="02020603050405020304" pitchFamily="18" charset="0"/>
+            </a:endParaRPr>
           </a:p>
         </p:txBody>
       </p:sp>
     </p:spTree>
     <p:extLst>
       <p:ext uri="{BB962C8B-B14F-4D97-AF65-F5344CB8AC3E}">
-        <p14:creationId xmlns:p14="http://schemas.microsoft.com/office/powerpoint/2010/main" val="3076057949"/>
+        <p14:creationId xmlns:p14="http://schemas.microsoft.com/office/powerpoint/2010/main" val="425384473"/>
       </p:ext>
     </p:extLst>
   </p:cSld>
   <p:clrMapOvr>
     <a:masterClrMapping/>
   </p:clrMapOvr>
+  <p:transition/>
+  <p:timing>
+    <p:tnLst>
+      <p:par>
+        <p:cTn id="1" dur="indefinite" restart="never" nodeType="tmRoot"/>
+      </p:par>
+    </p:tnLst>
+  </p:timing>
 </p:sld>
 </file>
 
@@ -23393,6 +23550,13 @@
     <a:masterClrMapping/>
   </p:clrMapOvr>
   <p:transition/>
+  <p:timing>
+    <p:tnLst>
+      <p:par>
+        <p:cTn id="1" dur="indefinite" restart="never" nodeType="tmRoot"/>
+      </p:par>
+    </p:tnLst>
+  </p:timing>
 </p:sld>
 </file>
 
@@ -23444,7 +23608,7 @@
                 <a:latin typeface="Times New Roman" panose="02020603050405020304" pitchFamily="18" charset="0"/>
                 <a:cs typeface="Times New Roman" panose="02020603050405020304" pitchFamily="18" charset="0"/>
               </a:rPr>
-              <a:t>Kết</a:t>
+              <a:t>Hiệp</a:t>
             </a:r>
             <a:r>
               <a:rPr lang="en-US" sz="1800" dirty="0">
@@ -23491,7 +23655,7 @@
                 <a:latin typeface="Times New Roman" panose="02020603050405020304" pitchFamily="18" charset="0"/>
                 <a:cs typeface="Times New Roman" panose="02020603050405020304" pitchFamily="18" charset="0"/>
               </a:rPr>
-              <a:t>NỮ VƯƠNG THIÊN ĐÀNG</a:t>
+              <a:t>HOAN CA PHỤC SINH (TT)</a:t>
             </a:r>
             <a:endParaRPr lang="en-US" sz="2400" b="1" dirty="0">
               <a:solidFill>
@@ -23520,8 +23684,8 @@
         </p:nvSpPr>
         <p:spPr>
           <a:xfrm>
-            <a:off x="0" y="895003"/>
-            <a:ext cx="9144000" cy="4641273"/>
+            <a:off x="0" y="919384"/>
+            <a:ext cx="9144000" cy="5615940"/>
           </a:xfrm>
         </p:spPr>
         <p:txBody>
@@ -23539,7 +23703,7 @@
               <a:rPr lang="vi-VN" sz="5400" b="1" dirty="0">
                 <a:latin typeface="+mj-lt"/>
               </a:rPr>
-              <a:t>Lạy Nữ Vương Thiên Đàng Mẹ hãy vui mừng. Vì hôm nay Chúa đã phục sinh đem ánh quang vinh xuống cho người sống trên cõi đời. Lòng người hân hoan cất lời ca vang chiến thắng khải hoàn. </a:t>
+              <a:t>Mừng Vua ta hôm nay phục sinh giữa ánh quang vinh. Từ đây muôn sinh linh được thương xóa hết tội tình. Lạc trong đêm u mê trông thấy ánh sáng mới. Cứu thoát thế nhân muôn đời.</a:t>
             </a:r>
             <a:endParaRPr lang="en-US" sz="5400" b="1" dirty="0">
               <a:latin typeface="+mj-lt"/>
@@ -23551,7 +23715,7 @@
     </p:spTree>
     <p:extLst>
       <p:ext uri="{BB962C8B-B14F-4D97-AF65-F5344CB8AC3E}">
-        <p14:creationId xmlns:p14="http://schemas.microsoft.com/office/powerpoint/2010/main" val="2497527095"/>
+        <p14:creationId xmlns:p14="http://schemas.microsoft.com/office/powerpoint/2010/main" val="839496936"/>
       </p:ext>
     </p:extLst>
   </p:cSld>
@@ -23559,6 +23723,13 @@
     <a:masterClrMapping/>
   </p:clrMapOvr>
   <p:transition/>
+  <p:timing>
+    <p:tnLst>
+      <p:par>
+        <p:cTn id="1" dur="indefinite" restart="never" nodeType="tmRoot"/>
+      </p:par>
+    </p:tnLst>
+  </p:timing>
 </p:sld>
 </file>
 
@@ -23581,150 +23752,71 @@
       </p:grpSpPr>
       <p:sp>
         <p:nvSpPr>
-          <p:cNvPr id="2" name="Title 1"/>
+          <p:cNvPr id="2" name="Title 1">
+            <a:extLst>
+              <a:ext uri="{FF2B5EF4-FFF2-40B4-BE49-F238E27FC236}">
+                <a16:creationId xmlns:a16="http://schemas.microsoft.com/office/drawing/2014/main" xmlns="" id="{0D4B6E95-FDC7-49FA-AC21-D231AAA40193}"/>
+              </a:ext>
+            </a:extLst>
+          </p:cNvPr>
           <p:cNvSpPr>
             <a:spLocks noGrp="1"/>
           </p:cNvSpPr>
           <p:nvPr>
-            <p:ph type="ctrTitle"/>
+            <p:ph type="title"/>
           </p:nvPr>
         </p:nvSpPr>
-        <p:spPr>
-          <a:xfrm>
-            <a:off x="0" y="13648"/>
-            <a:ext cx="9144000" cy="533400"/>
-          </a:xfrm>
-        </p:spPr>
+        <p:spPr/>
         <p:txBody>
-          <a:bodyPr>
-            <a:normAutofit/>
-          </a:bodyPr>
+          <a:bodyPr/>
           <a:lstStyle/>
           <a:p>
-            <a:pPr algn="l"/>
-            <a:r>
-              <a:rPr lang="en-US" sz="1800" dirty="0" err="1">
-                <a:solidFill>
-                  <a:srgbClr val="FF0000"/>
-                </a:solidFill>
-                <a:latin typeface="Times New Roman" panose="02020603050405020304" pitchFamily="18" charset="0"/>
-                <a:cs typeface="Times New Roman" panose="02020603050405020304" pitchFamily="18" charset="0"/>
-              </a:rPr>
-              <a:t>Kết</a:t>
-            </a:r>
-            <a:r>
-              <a:rPr lang="en-US" sz="1800" dirty="0">
-                <a:solidFill>
-                  <a:srgbClr val="FF0000"/>
-                </a:solidFill>
-                <a:latin typeface="Times New Roman" panose="02020603050405020304" pitchFamily="18" charset="0"/>
-                <a:cs typeface="Times New Roman" panose="02020603050405020304" pitchFamily="18" charset="0"/>
-              </a:rPr>
-              <a:t> </a:t>
-            </a:r>
-            <a:r>
-              <a:rPr lang="en-US" sz="1800" dirty="0" err="1">
-                <a:solidFill>
-                  <a:srgbClr val="FF0000"/>
-                </a:solidFill>
-                <a:latin typeface="Times New Roman" panose="02020603050405020304" pitchFamily="18" charset="0"/>
-                <a:cs typeface="Times New Roman" panose="02020603050405020304" pitchFamily="18" charset="0"/>
-              </a:rPr>
-              <a:t>lễ</a:t>
-            </a:r>
-            <a:r>
-              <a:rPr lang="en-US" sz="1800" dirty="0">
-                <a:solidFill>
-                  <a:srgbClr val="FF0000"/>
-                </a:solidFill>
-                <a:latin typeface="Times New Roman" panose="02020603050405020304" pitchFamily="18" charset="0"/>
-                <a:cs typeface="Times New Roman" panose="02020603050405020304" pitchFamily="18" charset="0"/>
-              </a:rPr>
-              <a:t> 			    </a:t>
-            </a:r>
-            <a:r>
-              <a:rPr lang="en-US" sz="2400" b="1" dirty="0">
-                <a:solidFill>
-                  <a:srgbClr val="FF0000"/>
-                </a:solidFill>
-                <a:effectLst>
-                  <a:outerShdw blurRad="38100" dist="38100" dir="2700000" algn="tl">
-                    <a:srgbClr val="000000">
-                      <a:alpha val="43137"/>
-                    </a:srgbClr>
-                  </a:outerShdw>
-                </a:effectLst>
-                <a:latin typeface="Times New Roman" panose="02020603050405020304" pitchFamily="18" charset="0"/>
-                <a:cs typeface="Times New Roman" panose="02020603050405020304" pitchFamily="18" charset="0"/>
-              </a:rPr>
-              <a:t>NỮ VƯƠNG THIÊN ĐÀNG</a:t>
-            </a:r>
-            <a:endParaRPr lang="en-US" sz="2400" b="1" dirty="0">
-              <a:solidFill>
-                <a:srgbClr val="FF0000"/>
-              </a:solidFill>
-              <a:effectLst>
-                <a:outerShdw blurRad="38100" dist="38100" dir="2700000" algn="tl">
-                  <a:srgbClr val="000000">
-                    <a:alpha val="43137"/>
-                  </a:srgbClr>
-                </a:outerShdw>
-              </a:effectLst>
-            </a:endParaRPr>
+            <a:endParaRPr lang="en-US"/>
           </a:p>
         </p:txBody>
       </p:sp>
       <p:sp>
         <p:nvSpPr>
-          <p:cNvPr id="3" name="Subtitle 2"/>
+          <p:cNvPr id="3" name="Content Placeholder 2">
+            <a:extLst>
+              <a:ext uri="{FF2B5EF4-FFF2-40B4-BE49-F238E27FC236}">
+                <a16:creationId xmlns:a16="http://schemas.microsoft.com/office/drawing/2014/main" xmlns="" id="{3FE8875B-E341-4FD0-897C-655A62162BA9}"/>
+              </a:ext>
+            </a:extLst>
+          </p:cNvPr>
           <p:cNvSpPr>
             <a:spLocks noGrp="1"/>
           </p:cNvSpPr>
           <p:nvPr>
-            <p:ph type="subTitle" idx="1"/>
+            <p:ph idx="1"/>
           </p:nvPr>
         </p:nvSpPr>
-        <p:spPr>
-          <a:xfrm>
-            <a:off x="0" y="1657003"/>
-            <a:ext cx="9144000" cy="4641273"/>
-          </a:xfrm>
-        </p:spPr>
+        <p:spPr/>
         <p:txBody>
-          <a:bodyPr>
-            <a:noAutofit/>
-          </a:bodyPr>
+          <a:bodyPr/>
           <a:lstStyle/>
           <a:p>
-            <a:pPr algn="just">
-              <a:tabLst>
-                <a:tab pos="2155825" algn="l"/>
-              </a:tabLst>
-            </a:pPr>
-            <a:r>
-              <a:rPr lang="vi-VN" sz="5400" b="1" dirty="0">
-                <a:latin typeface="+mj-lt"/>
-              </a:rPr>
-              <a:t>Lạy Nữ Vương Thiên Đàng Mẹ diễm phúc tuyệt vời, Mẹ là Đấng rạng ngời bên Chúa muôn đời hiển vinh Quê Trời.</a:t>
-            </a:r>
-            <a:endParaRPr lang="en-US" sz="5400" b="1" dirty="0">
-              <a:latin typeface="+mj-lt"/>
-              <a:cs typeface="Times New Roman" panose="02020603050405020304" pitchFamily="18" charset="0"/>
-            </a:endParaRPr>
+            <a:endParaRPr lang="en-US"/>
           </a:p>
         </p:txBody>
       </p:sp>
     </p:spTree>
     <p:extLst>
       <p:ext uri="{BB962C8B-B14F-4D97-AF65-F5344CB8AC3E}">
-        <p14:creationId xmlns:p14="http://schemas.microsoft.com/office/powerpoint/2010/main" val="1939078199"/>
+        <p14:creationId xmlns:p14="http://schemas.microsoft.com/office/powerpoint/2010/main" val="3076057949"/>
       </p:ext>
     </p:extLst>
   </p:cSld>
   <p:clrMapOvr>
     <a:masterClrMapping/>
   </p:clrMapOvr>
-  <p:transition/>
+  <p:timing>
+    <p:tnLst>
+      <p:par>
+        <p:cTn id="1" dur="indefinite" restart="never" nodeType="tmRoot"/>
+      </p:par>
+    </p:tnLst>
+  </p:timing>
 </p:sld>
 </file>
 
@@ -23852,7 +23944,7 @@
         </p:nvSpPr>
         <p:spPr>
           <a:xfrm>
-            <a:off x="0" y="1108363"/>
+            <a:off x="0" y="895003"/>
             <a:ext cx="9144000" cy="4641273"/>
           </a:xfrm>
         </p:spPr>
@@ -23871,7 +23963,7 @@
               <a:rPr lang="vi-VN" sz="5400" b="1" dirty="0">
                 <a:latin typeface="+mj-lt"/>
               </a:rPr>
-              <a:t>Nguyện Mẹ thương đoái xem thế trần vẫn còn trong vòng mờ tối, bao nỗi khổ đau bao oan trái sầu. Mẹ ơi! Đắng cay cuộc đời nói sao nên lời xót xa lệ rơi từng ngày chơi vơi.</a:t>
+              <a:t>Lạy Nữ Vương Thiên Đàng Mẹ hãy vui mừng. Vì hôm nay Chúa đã phục sinh đem ánh quang vinh xuống cho người sống trên cõi đời. Lòng người hân hoan cất lời ca vang chiến thắng khải hoàn. </a:t>
             </a:r>
             <a:endParaRPr lang="en-US" sz="5400" b="1" dirty="0">
               <a:latin typeface="+mj-lt"/>
@@ -23883,7 +23975,7 @@
     </p:spTree>
     <p:extLst>
       <p:ext uri="{BB962C8B-B14F-4D97-AF65-F5344CB8AC3E}">
-        <p14:creationId xmlns:p14="http://schemas.microsoft.com/office/powerpoint/2010/main" val="4087697710"/>
+        <p14:creationId xmlns:p14="http://schemas.microsoft.com/office/powerpoint/2010/main" val="2497527095"/>
       </p:ext>
     </p:extLst>
   </p:cSld>
@@ -23891,6 +23983,13 @@
     <a:masterClrMapping/>
   </p:clrMapOvr>
   <p:transition/>
+  <p:timing>
+    <p:tnLst>
+      <p:par>
+        <p:cTn id="1" dur="indefinite" restart="never" nodeType="tmRoot"/>
+      </p:par>
+    </p:tnLst>
+  </p:timing>
 </p:sld>
 </file>
 
@@ -24018,6 +24117,352 @@
         </p:nvSpPr>
         <p:spPr>
           <a:xfrm>
+            <a:off x="0" y="1657003"/>
+            <a:ext cx="9144000" cy="4641273"/>
+          </a:xfrm>
+        </p:spPr>
+        <p:txBody>
+          <a:bodyPr>
+            <a:noAutofit/>
+          </a:bodyPr>
+          <a:lstStyle/>
+          <a:p>
+            <a:pPr algn="just">
+              <a:tabLst>
+                <a:tab pos="2155825" algn="l"/>
+              </a:tabLst>
+            </a:pPr>
+            <a:r>
+              <a:rPr lang="vi-VN" sz="5400" b="1" dirty="0">
+                <a:latin typeface="+mj-lt"/>
+              </a:rPr>
+              <a:t>Lạy Nữ Vương Thiên Đàng Mẹ diễm phúc tuyệt vời, Mẹ là Đấng rạng ngời bên Chúa muôn đời hiển vinh Quê Trời.</a:t>
+            </a:r>
+            <a:endParaRPr lang="en-US" sz="5400" b="1" dirty="0">
+              <a:latin typeface="+mj-lt"/>
+              <a:cs typeface="Times New Roman" panose="02020603050405020304" pitchFamily="18" charset="0"/>
+            </a:endParaRPr>
+          </a:p>
+        </p:txBody>
+      </p:sp>
+    </p:spTree>
+    <p:extLst>
+      <p:ext uri="{BB962C8B-B14F-4D97-AF65-F5344CB8AC3E}">
+        <p14:creationId xmlns:p14="http://schemas.microsoft.com/office/powerpoint/2010/main" val="1939078199"/>
+      </p:ext>
+    </p:extLst>
+  </p:cSld>
+  <p:clrMapOvr>
+    <a:masterClrMapping/>
+  </p:clrMapOvr>
+  <p:transition/>
+  <p:timing>
+    <p:tnLst>
+      <p:par>
+        <p:cTn id="1" dur="indefinite" restart="never" nodeType="tmRoot"/>
+      </p:par>
+    </p:tnLst>
+  </p:timing>
+</p:sld>
+</file>
+
+<file path=ppt/slides/slide84.xml><?xml version="1.0" encoding="utf-8"?>
+<p:sld xmlns:a="http://schemas.openxmlformats.org/drawingml/2006/main" xmlns:r="http://schemas.openxmlformats.org/officeDocument/2006/relationships" xmlns:p="http://schemas.openxmlformats.org/presentationml/2006/main">
+  <p:cSld>
+    <p:spTree>
+      <p:nvGrpSpPr>
+        <p:cNvPr id="1" name=""/>
+        <p:cNvGrpSpPr/>
+        <p:nvPr/>
+      </p:nvGrpSpPr>
+      <p:grpSpPr>
+        <a:xfrm>
+          <a:off x="0" y="0"/>
+          <a:ext cx="0" cy="0"/>
+          <a:chOff x="0" y="0"/>
+          <a:chExt cx="0" cy="0"/>
+        </a:xfrm>
+      </p:grpSpPr>
+      <p:sp>
+        <p:nvSpPr>
+          <p:cNvPr id="2" name="Title 1"/>
+          <p:cNvSpPr>
+            <a:spLocks noGrp="1"/>
+          </p:cNvSpPr>
+          <p:nvPr>
+            <p:ph type="ctrTitle"/>
+          </p:nvPr>
+        </p:nvSpPr>
+        <p:spPr>
+          <a:xfrm>
+            <a:off x="0" y="13648"/>
+            <a:ext cx="9144000" cy="533400"/>
+          </a:xfrm>
+        </p:spPr>
+        <p:txBody>
+          <a:bodyPr>
+            <a:normAutofit/>
+          </a:bodyPr>
+          <a:lstStyle/>
+          <a:p>
+            <a:pPr algn="l"/>
+            <a:r>
+              <a:rPr lang="en-US" sz="1800" dirty="0" err="1">
+                <a:solidFill>
+                  <a:srgbClr val="FF0000"/>
+                </a:solidFill>
+                <a:latin typeface="Times New Roman" panose="02020603050405020304" pitchFamily="18" charset="0"/>
+                <a:cs typeface="Times New Roman" panose="02020603050405020304" pitchFamily="18" charset="0"/>
+              </a:rPr>
+              <a:t>Kết</a:t>
+            </a:r>
+            <a:r>
+              <a:rPr lang="en-US" sz="1800" dirty="0">
+                <a:solidFill>
+                  <a:srgbClr val="FF0000"/>
+                </a:solidFill>
+                <a:latin typeface="Times New Roman" panose="02020603050405020304" pitchFamily="18" charset="0"/>
+                <a:cs typeface="Times New Roman" panose="02020603050405020304" pitchFamily="18" charset="0"/>
+              </a:rPr>
+              <a:t> </a:t>
+            </a:r>
+            <a:r>
+              <a:rPr lang="en-US" sz="1800" dirty="0" err="1">
+                <a:solidFill>
+                  <a:srgbClr val="FF0000"/>
+                </a:solidFill>
+                <a:latin typeface="Times New Roman" panose="02020603050405020304" pitchFamily="18" charset="0"/>
+                <a:cs typeface="Times New Roman" panose="02020603050405020304" pitchFamily="18" charset="0"/>
+              </a:rPr>
+              <a:t>lễ</a:t>
+            </a:r>
+            <a:r>
+              <a:rPr lang="en-US" sz="1800" dirty="0">
+                <a:solidFill>
+                  <a:srgbClr val="FF0000"/>
+                </a:solidFill>
+                <a:latin typeface="Times New Roman" panose="02020603050405020304" pitchFamily="18" charset="0"/>
+                <a:cs typeface="Times New Roman" panose="02020603050405020304" pitchFamily="18" charset="0"/>
+              </a:rPr>
+              <a:t> 			    </a:t>
+            </a:r>
+            <a:r>
+              <a:rPr lang="en-US" sz="2400" b="1" dirty="0">
+                <a:solidFill>
+                  <a:srgbClr val="FF0000"/>
+                </a:solidFill>
+                <a:effectLst>
+                  <a:outerShdw blurRad="38100" dist="38100" dir="2700000" algn="tl">
+                    <a:srgbClr val="000000">
+                      <a:alpha val="43137"/>
+                    </a:srgbClr>
+                  </a:outerShdw>
+                </a:effectLst>
+                <a:latin typeface="Times New Roman" panose="02020603050405020304" pitchFamily="18" charset="0"/>
+                <a:cs typeface="Times New Roman" panose="02020603050405020304" pitchFamily="18" charset="0"/>
+              </a:rPr>
+              <a:t>NỮ VƯƠNG THIÊN ĐÀNG</a:t>
+            </a:r>
+            <a:endParaRPr lang="en-US" sz="2400" b="1" dirty="0">
+              <a:solidFill>
+                <a:srgbClr val="FF0000"/>
+              </a:solidFill>
+              <a:effectLst>
+                <a:outerShdw blurRad="38100" dist="38100" dir="2700000" algn="tl">
+                  <a:srgbClr val="000000">
+                    <a:alpha val="43137"/>
+                  </a:srgbClr>
+                </a:outerShdw>
+              </a:effectLst>
+            </a:endParaRPr>
+          </a:p>
+        </p:txBody>
+      </p:sp>
+      <p:sp>
+        <p:nvSpPr>
+          <p:cNvPr id="3" name="Subtitle 2"/>
+          <p:cNvSpPr>
+            <a:spLocks noGrp="1"/>
+          </p:cNvSpPr>
+          <p:nvPr>
+            <p:ph type="subTitle" idx="1"/>
+          </p:nvPr>
+        </p:nvSpPr>
+        <p:spPr>
+          <a:xfrm>
+            <a:off x="0" y="1108363"/>
+            <a:ext cx="9144000" cy="4641273"/>
+          </a:xfrm>
+        </p:spPr>
+        <p:txBody>
+          <a:bodyPr>
+            <a:noAutofit/>
+          </a:bodyPr>
+          <a:lstStyle/>
+          <a:p>
+            <a:pPr algn="just">
+              <a:tabLst>
+                <a:tab pos="2155825" algn="l"/>
+              </a:tabLst>
+            </a:pPr>
+            <a:r>
+              <a:rPr lang="vi-VN" sz="5400" b="1" dirty="0">
+                <a:latin typeface="+mj-lt"/>
+              </a:rPr>
+              <a:t>Nguyện Mẹ thương đoái xem thế trần vẫn còn trong vòng mờ tối, bao nỗi khổ đau bao oan trái sầu. Mẹ ơi! Đắng cay cuộc đời nói sao nên lời xót xa lệ rơi từng ngày chơi vơi.</a:t>
+            </a:r>
+            <a:endParaRPr lang="en-US" sz="5400" b="1" dirty="0">
+              <a:latin typeface="+mj-lt"/>
+              <a:cs typeface="Times New Roman" panose="02020603050405020304" pitchFamily="18" charset="0"/>
+            </a:endParaRPr>
+          </a:p>
+        </p:txBody>
+      </p:sp>
+    </p:spTree>
+    <p:extLst>
+      <p:ext uri="{BB962C8B-B14F-4D97-AF65-F5344CB8AC3E}">
+        <p14:creationId xmlns:p14="http://schemas.microsoft.com/office/powerpoint/2010/main" val="4087697710"/>
+      </p:ext>
+    </p:extLst>
+  </p:cSld>
+  <p:clrMapOvr>
+    <a:masterClrMapping/>
+  </p:clrMapOvr>
+  <p:transition/>
+  <p:timing>
+    <p:tnLst>
+      <p:par>
+        <p:cTn id="1" dur="indefinite" restart="never" nodeType="tmRoot"/>
+      </p:par>
+    </p:tnLst>
+  </p:timing>
+</p:sld>
+</file>
+
+<file path=ppt/slides/slide85.xml><?xml version="1.0" encoding="utf-8"?>
+<p:sld xmlns:a="http://schemas.openxmlformats.org/drawingml/2006/main" xmlns:r="http://schemas.openxmlformats.org/officeDocument/2006/relationships" xmlns:p="http://schemas.openxmlformats.org/presentationml/2006/main">
+  <p:cSld>
+    <p:spTree>
+      <p:nvGrpSpPr>
+        <p:cNvPr id="1" name=""/>
+        <p:cNvGrpSpPr/>
+        <p:nvPr/>
+      </p:nvGrpSpPr>
+      <p:grpSpPr>
+        <a:xfrm>
+          <a:off x="0" y="0"/>
+          <a:ext cx="0" cy="0"/>
+          <a:chOff x="0" y="0"/>
+          <a:chExt cx="0" cy="0"/>
+        </a:xfrm>
+      </p:grpSpPr>
+      <p:sp>
+        <p:nvSpPr>
+          <p:cNvPr id="2" name="Title 1"/>
+          <p:cNvSpPr>
+            <a:spLocks noGrp="1"/>
+          </p:cNvSpPr>
+          <p:nvPr>
+            <p:ph type="ctrTitle"/>
+          </p:nvPr>
+        </p:nvSpPr>
+        <p:spPr>
+          <a:xfrm>
+            <a:off x="0" y="13648"/>
+            <a:ext cx="9144000" cy="533400"/>
+          </a:xfrm>
+        </p:spPr>
+        <p:txBody>
+          <a:bodyPr>
+            <a:normAutofit/>
+          </a:bodyPr>
+          <a:lstStyle/>
+          <a:p>
+            <a:pPr algn="l"/>
+            <a:r>
+              <a:rPr lang="en-US" sz="1800" dirty="0" err="1">
+                <a:solidFill>
+                  <a:srgbClr val="FF0000"/>
+                </a:solidFill>
+                <a:latin typeface="Times New Roman" panose="02020603050405020304" pitchFamily="18" charset="0"/>
+                <a:cs typeface="Times New Roman" panose="02020603050405020304" pitchFamily="18" charset="0"/>
+              </a:rPr>
+              <a:t>Kết</a:t>
+            </a:r>
+            <a:r>
+              <a:rPr lang="en-US" sz="1800" dirty="0">
+                <a:solidFill>
+                  <a:srgbClr val="FF0000"/>
+                </a:solidFill>
+                <a:latin typeface="Times New Roman" panose="02020603050405020304" pitchFamily="18" charset="0"/>
+                <a:cs typeface="Times New Roman" panose="02020603050405020304" pitchFamily="18" charset="0"/>
+              </a:rPr>
+              <a:t> </a:t>
+            </a:r>
+            <a:r>
+              <a:rPr lang="en-US" sz="1800" dirty="0" err="1">
+                <a:solidFill>
+                  <a:srgbClr val="FF0000"/>
+                </a:solidFill>
+                <a:latin typeface="Times New Roman" panose="02020603050405020304" pitchFamily="18" charset="0"/>
+                <a:cs typeface="Times New Roman" panose="02020603050405020304" pitchFamily="18" charset="0"/>
+              </a:rPr>
+              <a:t>lễ</a:t>
+            </a:r>
+            <a:r>
+              <a:rPr lang="en-US" sz="1800" dirty="0">
+                <a:solidFill>
+                  <a:srgbClr val="FF0000"/>
+                </a:solidFill>
+                <a:latin typeface="Times New Roman" panose="02020603050405020304" pitchFamily="18" charset="0"/>
+                <a:cs typeface="Times New Roman" panose="02020603050405020304" pitchFamily="18" charset="0"/>
+              </a:rPr>
+              <a:t> 			    </a:t>
+            </a:r>
+            <a:r>
+              <a:rPr lang="en-US" sz="2400" b="1" dirty="0">
+                <a:solidFill>
+                  <a:srgbClr val="FF0000"/>
+                </a:solidFill>
+                <a:effectLst>
+                  <a:outerShdw blurRad="38100" dist="38100" dir="2700000" algn="tl">
+                    <a:srgbClr val="000000">
+                      <a:alpha val="43137"/>
+                    </a:srgbClr>
+                  </a:outerShdw>
+                </a:effectLst>
+                <a:latin typeface="Times New Roman" panose="02020603050405020304" pitchFamily="18" charset="0"/>
+                <a:cs typeface="Times New Roman" panose="02020603050405020304" pitchFamily="18" charset="0"/>
+              </a:rPr>
+              <a:t>NỮ VƯƠNG THIÊN ĐÀNG</a:t>
+            </a:r>
+            <a:endParaRPr lang="en-US" sz="2400" b="1" dirty="0">
+              <a:solidFill>
+                <a:srgbClr val="FF0000"/>
+              </a:solidFill>
+              <a:effectLst>
+                <a:outerShdw blurRad="38100" dist="38100" dir="2700000" algn="tl">
+                  <a:srgbClr val="000000">
+                    <a:alpha val="43137"/>
+                  </a:srgbClr>
+                </a:outerShdw>
+              </a:effectLst>
+            </a:endParaRPr>
+          </a:p>
+        </p:txBody>
+      </p:sp>
+      <p:sp>
+        <p:nvSpPr>
+          <p:cNvPr id="3" name="Subtitle 2"/>
+          <p:cNvSpPr>
+            <a:spLocks noGrp="1"/>
+          </p:cNvSpPr>
+          <p:nvPr>
+            <p:ph type="subTitle" idx="1"/>
+          </p:nvPr>
+        </p:nvSpPr>
+        <p:spPr>
+          <a:xfrm>
             <a:off x="0" y="895003"/>
             <a:ext cx="9144000" cy="4641273"/>
           </a:xfrm>
@@ -24070,6 +24515,13 @@
     <a:masterClrMapping/>
   </p:clrMapOvr>
   <p:transition/>
+  <p:timing>
+    <p:tnLst>
+      <p:par>
+        <p:cTn id="1" dur="indefinite" restart="never" nodeType="tmRoot"/>
+      </p:par>
+    </p:tnLst>
+  </p:timing>
 </p:sld>
 </file>
 
@@ -24566,7 +25018,7 @@
           <p:cNvPr id="4" name="Title 1">
             <a:extLst>
               <a:ext uri="{FF2B5EF4-FFF2-40B4-BE49-F238E27FC236}">
-                <a16:creationId xmlns:a16="http://schemas.microsoft.com/office/drawing/2014/main" id="{D9C609E8-AF6E-4724-A63B-E3B6EFA0296D}"/>
+                <a16:creationId xmlns:a16="http://schemas.microsoft.com/office/drawing/2014/main" xmlns="" id="{D9C609E8-AF6E-4724-A63B-E3B6EFA0296D}"/>
               </a:ext>
             </a:extLst>
           </p:cNvPr>
@@ -24650,6 +25102,13 @@
     <a:masterClrMapping/>
   </p:clrMapOvr>
   <p:transition/>
+  <p:timing>
+    <p:tnLst>
+      <p:par>
+        <p:cTn id="1" dur="indefinite" restart="never" nodeType="tmRoot"/>
+      </p:par>
+    </p:tnLst>
+  </p:timing>
 </p:sld>
 </file>
 
@@ -24658,7 +25117,7 @@
   <a:themeElements>
     <a:clrScheme name="Office Theme">
       <a:dk1>
-        <a:sysClr val="windowText" lastClr="000000"/>
+        <a:sysClr val="windowText" lastClr="1F1F1F"/>
       </a:dk1>
       <a:lt1>
         <a:sysClr val="window" lastClr="FFFFFF"/>
@@ -24908,7 +25367,7 @@
   <a:extraClrSchemeLst/>
   <a:extLst>
     <a:ext uri="{05A4C25C-085E-4340-85A3-A5531E510DB2}">
-      <thm15:themeFamily xmlns:thm15="http://schemas.microsoft.com/office/thememl/2012/main" name="Office Theme" id="{62F939B6-93AF-4DB8-9C6B-D6C7DFDC589F}" vid="{4A3C46E8-61CC-4603-A589-7422A47A8E4A}"/>
+      <thm15:themeFamily xmlns:thm15="http://schemas.microsoft.com/office/thememl/2012/main" xmlns="" name="Office Theme" id="{62F939B6-93AF-4DB8-9C6B-D6C7DFDC589F}" vid="{4A3C46E8-61CC-4603-A589-7422A47A8E4A}"/>
     </a:ext>
   </a:extLst>
 </a:theme>
@@ -24919,7 +25378,7 @@
   <a:themeElements>
     <a:clrScheme name="Office">
       <a:dk1>
-        <a:sysClr val="windowText" lastClr="000000"/>
+        <a:sysClr val="windowText" lastClr="1F1F1F"/>
       </a:dk1>
       <a:lt1>
         <a:sysClr val="window" lastClr="FFFFFF"/>
@@ -25169,7 +25628,7 @@
   <a:extraClrSchemeLst/>
   <a:extLst>
     <a:ext uri="{05A4C25C-085E-4340-85A3-A5531E510DB2}">
-      <thm15:themeFamily xmlns:thm15="http://schemas.microsoft.com/office/thememl/2012/main" name="Office Theme" id="{62F939B6-93AF-4DB8-9C6B-D6C7DFDC589F}" vid="{4A3C46E8-61CC-4603-A589-7422A47A8E4A}"/>
+      <thm15:themeFamily xmlns:thm15="http://schemas.microsoft.com/office/thememl/2012/main" xmlns="" name="Office Theme" id="{62F939B6-93AF-4DB8-9C6B-D6C7DFDC589F}" vid="{4A3C46E8-61CC-4603-A589-7422A47A8E4A}"/>
     </a:ext>
   </a:extLst>
 </a:theme>
